--- a/reports/Presentation.pptx
+++ b/reports/Presentation.pptx
@@ -4,6 +4,9 @@
   <p:sldMasterIdLst>
     <p:sldMasterId id="2147483648" r:id="rId1"/>
   </p:sldMasterIdLst>
+  <p:notesMasterIdLst>
+    <p:notesMasterId r:id="rId12"/>
+  </p:notesMasterIdLst>
   <p:sldIdLst>
     <p:sldId id="256" r:id="rId2"/>
     <p:sldId id="257" r:id="rId3"/>
@@ -13,6 +16,8 @@
     <p:sldId id="261" r:id="rId7"/>
     <p:sldId id="262" r:id="rId8"/>
     <p:sldId id="263" r:id="rId9"/>
+    <p:sldId id="264" r:id="rId10"/>
+    <p:sldId id="265" r:id="rId11"/>
   </p:sldIdLst>
   <p:sldSz cx="12192000" cy="6858000"/>
   <p:notesSz cx="6858000" cy="9144000"/>
@@ -201,7 +206,7 @@
               <c:strCache>
                 <c:ptCount val="2"/>
                 <c:pt idx="0">
-                  <c:v>Time (Mid-term)</c:v>
+                  <c:v>Time (MT)</c:v>
                 </c:pt>
                 <c:pt idx="1">
                   <c:v>Time (Final)</c:v>
@@ -235,11 +240,11 @@
         </c:dLbls>
         <c:gapWidth val="219"/>
         <c:overlap val="-27"/>
-        <c:axId val="324070912"/>
-        <c:axId val="324071696"/>
+        <c:axId val="337116800"/>
+        <c:axId val="337117192"/>
       </c:barChart>
       <c:catAx>
-        <c:axId val="324070912"/>
+        <c:axId val="337116800"/>
         <c:scaling>
           <c:orientation val="minMax"/>
         </c:scaling>
@@ -267,7 +272,7 @@
           <a:lstStyle/>
           <a:p>
             <a:pPr>
-              <a:defRPr sz="900" b="0" i="0" u="none" strike="noStrike" kern="1200" baseline="0">
+              <a:defRPr sz="1400" b="0" i="0" u="none" strike="noStrike" kern="1200" baseline="0">
                 <a:solidFill>
                   <a:schemeClr val="tx1">
                     <a:lumMod val="65000"/>
@@ -282,7 +287,7 @@
             <a:endParaRPr lang="en-US"/>
           </a:p>
         </c:txPr>
-        <c:crossAx val="324071696"/>
+        <c:crossAx val="337117192"/>
         <c:crosses val="autoZero"/>
         <c:auto val="1"/>
         <c:lblAlgn val="ctr"/>
@@ -290,7 +295,7 @@
         <c:noMultiLvlLbl val="0"/>
       </c:catAx>
       <c:valAx>
-        <c:axId val="324071696"/>
+        <c:axId val="337117192"/>
         <c:scaling>
           <c:orientation val="minMax"/>
         </c:scaling>
@@ -326,7 +331,7 @@
           <a:lstStyle/>
           <a:p>
             <a:pPr>
-              <a:defRPr sz="900" b="0" i="0" u="none" strike="noStrike" kern="1200" baseline="0">
+              <a:defRPr sz="1400" b="0" i="0" u="none" strike="noStrike" kern="1200" baseline="0">
                 <a:solidFill>
                   <a:schemeClr val="tx1">
                     <a:lumMod val="65000"/>
@@ -341,7 +346,7 @@
             <a:endParaRPr lang="en-US"/>
           </a:p>
         </c:txPr>
-        <c:crossAx val="324070912"/>
+        <c:crossAx val="337116800"/>
         <c:crosses val="autoZero"/>
         <c:crossBetween val="between"/>
       </c:valAx>
@@ -462,7 +467,7 @@
               <c:strCache>
                 <c:ptCount val="2"/>
                 <c:pt idx="0">
-                  <c:v>Time (Mid-term)</c:v>
+                  <c:v>Time (MT)</c:v>
                 </c:pt>
                 <c:pt idx="1">
                   <c:v>Time (Final)</c:v>
@@ -496,11 +501,11 @@
         </c:dLbls>
         <c:gapWidth val="219"/>
         <c:overlap val="-27"/>
-        <c:axId val="324062288"/>
-        <c:axId val="324060328"/>
+        <c:axId val="337123072"/>
+        <c:axId val="337119152"/>
       </c:barChart>
       <c:catAx>
-        <c:axId val="324062288"/>
+        <c:axId val="337123072"/>
         <c:scaling>
           <c:orientation val="minMax"/>
         </c:scaling>
@@ -528,7 +533,7 @@
           <a:lstStyle/>
           <a:p>
             <a:pPr>
-              <a:defRPr sz="900" b="0" i="0" u="none" strike="noStrike" kern="1200" baseline="0">
+              <a:defRPr sz="1400" b="0" i="0" u="none" strike="noStrike" kern="1200" baseline="0">
                 <a:solidFill>
                   <a:schemeClr val="tx1">
                     <a:lumMod val="65000"/>
@@ -543,7 +548,7 @@
             <a:endParaRPr lang="en-US"/>
           </a:p>
         </c:txPr>
-        <c:crossAx val="324060328"/>
+        <c:crossAx val="337119152"/>
         <c:crosses val="autoZero"/>
         <c:auto val="1"/>
         <c:lblAlgn val="ctr"/>
@@ -551,7 +556,7 @@
         <c:noMultiLvlLbl val="0"/>
       </c:catAx>
       <c:valAx>
-        <c:axId val="324060328"/>
+        <c:axId val="337119152"/>
         <c:scaling>
           <c:orientation val="minMax"/>
         </c:scaling>
@@ -587,7 +592,7 @@
           <a:lstStyle/>
           <a:p>
             <a:pPr>
-              <a:defRPr sz="900" b="0" i="0" u="none" strike="noStrike" kern="1200" baseline="0">
+              <a:defRPr sz="1400" b="0" i="0" u="none" strike="noStrike" kern="1200" baseline="0">
                 <a:solidFill>
                   <a:schemeClr val="tx1">
                     <a:lumMod val="65000"/>
@@ -602,7 +607,7 @@
             <a:endParaRPr lang="en-US"/>
           </a:p>
         </c:txPr>
-        <c:crossAx val="324062288"/>
+        <c:crossAx val="337123072"/>
         <c:crosses val="autoZero"/>
         <c:crossBetween val="between"/>
       </c:valAx>
@@ -723,7 +728,7 @@
               <c:strCache>
                 <c:ptCount val="2"/>
                 <c:pt idx="0">
-                  <c:v>Time (Mid-term)</c:v>
+                  <c:v>Time (MT)</c:v>
                 </c:pt>
                 <c:pt idx="1">
                   <c:v>Time (Final)</c:v>
@@ -757,11 +762,11 @@
         </c:dLbls>
         <c:gapWidth val="219"/>
         <c:overlap val="-27"/>
-        <c:axId val="324061112"/>
-        <c:axId val="324062680"/>
+        <c:axId val="337120328"/>
+        <c:axId val="337121504"/>
       </c:barChart>
       <c:catAx>
-        <c:axId val="324061112"/>
+        <c:axId val="337120328"/>
         <c:scaling>
           <c:orientation val="minMax"/>
         </c:scaling>
@@ -789,7 +794,7 @@
           <a:lstStyle/>
           <a:p>
             <a:pPr>
-              <a:defRPr sz="900" b="0" i="0" u="none" strike="noStrike" kern="1200" baseline="0">
+              <a:defRPr sz="1400" b="0" i="0" u="none" strike="noStrike" kern="1200" baseline="0">
                 <a:solidFill>
                   <a:schemeClr val="tx1">
                     <a:lumMod val="65000"/>
@@ -804,7 +809,7 @@
             <a:endParaRPr lang="en-US"/>
           </a:p>
         </c:txPr>
-        <c:crossAx val="324062680"/>
+        <c:crossAx val="337121504"/>
         <c:crosses val="autoZero"/>
         <c:auto val="1"/>
         <c:lblAlgn val="ctr"/>
@@ -812,7 +817,7 @@
         <c:noMultiLvlLbl val="0"/>
       </c:catAx>
       <c:valAx>
-        <c:axId val="324062680"/>
+        <c:axId val="337121504"/>
         <c:scaling>
           <c:orientation val="minMax"/>
         </c:scaling>
@@ -848,7 +853,7 @@
           <a:lstStyle/>
           <a:p>
             <a:pPr>
-              <a:defRPr sz="900" b="0" i="0" u="none" strike="noStrike" kern="1200" baseline="0">
+              <a:defRPr sz="1400" b="0" i="0" u="none" strike="noStrike" kern="1200" baseline="0">
                 <a:solidFill>
                   <a:schemeClr val="tx1">
                     <a:lumMod val="65000"/>
@@ -863,7 +868,7 @@
             <a:endParaRPr lang="en-US"/>
           </a:p>
         </c:txPr>
-        <c:crossAx val="324061112"/>
+        <c:crossAx val="337120328"/>
         <c:crosses val="autoZero"/>
         <c:crossBetween val="between"/>
       </c:valAx>
@@ -917,7 +922,14 @@
   </mc:AlternateContent>
   <c:chart>
     <c:title>
-      <c:layout/>
+      <c:layout>
+        <c:manualLayout>
+          <c:xMode val="edge"/>
+          <c:yMode val="edge"/>
+          <c:x val="0.40227964209169526"/>
+          <c:y val="2.2889832318460649E-2"/>
+        </c:manualLayout>
+      </c:layout>
       <c:overlay val="0"/>
       <c:spPr>
         <a:noFill/>
@@ -949,7 +961,17 @@
     </c:title>
     <c:autoTitleDeleted val="0"/>
     <c:plotArea>
-      <c:layout/>
+      <c:layout>
+        <c:manualLayout>
+          <c:layoutTarget val="inner"/>
+          <c:xMode val="edge"/>
+          <c:yMode val="edge"/>
+          <c:x val="0.18657721988041256"/>
+          <c:y val="0.15120626712794785"/>
+          <c:w val="0.75713069957315537"/>
+          <c:h val="0.72489635742262892"/>
+        </c:manualLayout>
+      </c:layout>
       <c:barChart>
         <c:barDir val="col"/>
         <c:grouping val="clustered"/>
@@ -984,7 +1006,7 @@
               <c:strCache>
                 <c:ptCount val="2"/>
                 <c:pt idx="0">
-                  <c:v>Time (Mid-term)</c:v>
+                  <c:v>Time (MT)</c:v>
                 </c:pt>
                 <c:pt idx="1">
                   <c:v>Time (Final)</c:v>
@@ -1002,7 +1024,7 @@
                   <c:v>440.99499988600002</c:v>
                 </c:pt>
                 <c:pt idx="1">
-                  <c:v>31.004999875999999</c:v>
+                  <c:v>0</c:v>
                 </c:pt>
               </c:numCache>
             </c:numRef>
@@ -1018,11 +1040,11 @@
         </c:dLbls>
         <c:gapWidth val="219"/>
         <c:overlap val="-27"/>
-        <c:axId val="324063072"/>
-        <c:axId val="324063464"/>
+        <c:axId val="337120720"/>
+        <c:axId val="337122288"/>
       </c:barChart>
       <c:catAx>
-        <c:axId val="324063072"/>
+        <c:axId val="337120720"/>
         <c:scaling>
           <c:orientation val="minMax"/>
         </c:scaling>
@@ -1050,7 +1072,7 @@
           <a:lstStyle/>
           <a:p>
             <a:pPr>
-              <a:defRPr sz="900" b="0" i="0" u="none" strike="noStrike" kern="1200" baseline="0">
+              <a:defRPr sz="1400" b="0" i="0" u="none" strike="noStrike" kern="1200" baseline="0">
                 <a:solidFill>
                   <a:schemeClr val="tx1">
                     <a:lumMod val="65000"/>
@@ -1065,7 +1087,7 @@
             <a:endParaRPr lang="en-US"/>
           </a:p>
         </c:txPr>
-        <c:crossAx val="324063464"/>
+        <c:crossAx val="337122288"/>
         <c:crosses val="autoZero"/>
         <c:auto val="1"/>
         <c:lblAlgn val="ctr"/>
@@ -1073,7 +1095,7 @@
         <c:noMultiLvlLbl val="0"/>
       </c:catAx>
       <c:valAx>
-        <c:axId val="324063464"/>
+        <c:axId val="337122288"/>
         <c:scaling>
           <c:orientation val="minMax"/>
         </c:scaling>
@@ -1109,7 +1131,7 @@
           <a:lstStyle/>
           <a:p>
             <a:pPr>
-              <a:defRPr sz="900" b="0" i="0" u="none" strike="noStrike" kern="1200" baseline="0">
+              <a:defRPr sz="1400" b="0" i="0" u="none" strike="noStrike" kern="1200" baseline="0">
                 <a:solidFill>
                   <a:schemeClr val="tx1">
                     <a:lumMod val="65000"/>
@@ -1124,7 +1146,7 @@
             <a:endParaRPr lang="en-US"/>
           </a:p>
         </c:txPr>
-        <c:crossAx val="324063072"/>
+        <c:crossAx val="337120720"/>
         <c:crosses val="autoZero"/>
         <c:crossBetween val="between"/>
       </c:valAx>
@@ -1311,7 +1333,7 @@
           <a:lstStyle/>
           <a:p>
             <a:pPr>
-              <a:defRPr sz="900" b="0" i="0" u="none" strike="noStrike" kern="1200" baseline="0">
+              <a:defRPr sz="1400" b="0" i="0" u="none" strike="noStrike" kern="1200" baseline="0">
                 <a:solidFill>
                   <a:schemeClr val="tx1">
                     <a:lumMod val="65000"/>
@@ -1328,7 +1350,7 @@
         </c:txPr>
         <c:crossAx val="330012640"/>
         <c:crosses val="autoZero"/>
-        <c:auto val="1"/>
+        <c:auto val="0"/>
         <c:lblAlgn val="ctr"/>
         <c:lblOffset val="100"/>
         <c:noMultiLvlLbl val="0"/>
@@ -1370,7 +1392,7 @@
           <a:lstStyle/>
           <a:p>
             <a:pPr>
-              <a:defRPr sz="900" b="0" i="0" u="none" strike="noStrike" kern="1200" baseline="0">
+              <a:defRPr sz="1400" b="0" i="0" u="none" strike="noStrike" kern="1200" baseline="0">
                 <a:solidFill>
                   <a:schemeClr val="tx1">
                     <a:lumMod val="65000"/>
@@ -1572,7 +1594,7 @@
           <a:lstStyle/>
           <a:p>
             <a:pPr>
-              <a:defRPr sz="900" b="0" i="0" u="none" strike="noStrike" kern="1200" baseline="0">
+              <a:defRPr sz="1400" b="0" i="0" u="none" strike="noStrike" kern="1200" baseline="0">
                 <a:solidFill>
                   <a:schemeClr val="tx1">
                     <a:lumMod val="65000"/>
@@ -1631,7 +1653,7 @@
           <a:lstStyle/>
           <a:p>
             <a:pPr>
-              <a:defRPr sz="900" b="0" i="0" u="none" strike="noStrike" kern="1200" baseline="0">
+              <a:defRPr sz="1400" b="0" i="0" u="none" strike="noStrike" kern="1200" baseline="0">
                 <a:solidFill>
                   <a:schemeClr val="tx1">
                     <a:lumMod val="65000"/>
@@ -1833,7 +1855,7 @@
           <a:lstStyle/>
           <a:p>
             <a:pPr>
-              <a:defRPr sz="900" b="0" i="0" u="none" strike="noStrike" kern="1200" baseline="0">
+              <a:defRPr sz="1400" b="0" i="0" u="none" strike="noStrike" kern="1200" baseline="0">
                 <a:solidFill>
                   <a:schemeClr val="tx1">
                     <a:lumMod val="65000"/>
@@ -1892,7 +1914,7 @@
           <a:lstStyle/>
           <a:p>
             <a:pPr>
-              <a:defRPr sz="900" b="0" i="0" u="none" strike="noStrike" kern="1200" baseline="0">
+              <a:defRPr sz="1400" b="0" i="0" u="none" strike="noStrike" kern="1200" baseline="0">
                 <a:solidFill>
                   <a:schemeClr val="tx1">
                     <a:lumMod val="65000"/>
@@ -1908,267 +1930,6 @@
           </a:p>
         </c:txPr>
         <c:crossAx val="330013424"/>
-        <c:crosses val="autoZero"/>
-        <c:crossBetween val="between"/>
-      </c:valAx>
-      <c:spPr>
-        <a:noFill/>
-        <a:ln>
-          <a:noFill/>
-        </a:ln>
-        <a:effectLst/>
-      </c:spPr>
-    </c:plotArea>
-    <c:plotVisOnly val="1"/>
-    <c:dispBlanksAs val="gap"/>
-    <c:showDLblsOverMax val="0"/>
-  </c:chart>
-  <c:spPr>
-    <a:noFill/>
-    <a:ln>
-      <a:noFill/>
-    </a:ln>
-    <a:effectLst/>
-  </c:spPr>
-  <c:txPr>
-    <a:bodyPr/>
-    <a:lstStyle/>
-    <a:p>
-      <a:pPr>
-        <a:defRPr/>
-      </a:pPr>
-      <a:endParaRPr lang="en-US"/>
-    </a:p>
-  </c:txPr>
-  <c:externalData r:id="rId3">
-    <c:autoUpdate val="0"/>
-  </c:externalData>
-</c:chartSpace>
-</file>
-
-<file path=ppt/charts/chart8.xml><?xml version="1.0" encoding="utf-8"?>
-<c:chartSpace xmlns:c="http://schemas.openxmlformats.org/drawingml/2006/chart" xmlns:a="http://schemas.openxmlformats.org/drawingml/2006/main" xmlns:r="http://schemas.openxmlformats.org/officeDocument/2006/relationships">
-  <c:date1904 val="0"/>
-  <c:lang val="en-US"/>
-  <c:roundedCorners val="0"/>
-  <mc:AlternateContent xmlns:mc="http://schemas.openxmlformats.org/markup-compatibility/2006">
-    <mc:Choice xmlns:c14="http://schemas.microsoft.com/office/drawing/2007/8/2/chart" Requires="c14">
-      <c14:style val="102"/>
-    </mc:Choice>
-    <mc:Fallback>
-      <c:style val="2"/>
-    </mc:Fallback>
-  </mc:AlternateContent>
-  <c:chart>
-    <c:title>
-      <c:layout/>
-      <c:overlay val="0"/>
-      <c:spPr>
-        <a:noFill/>
-        <a:ln>
-          <a:noFill/>
-        </a:ln>
-        <a:effectLst/>
-      </c:spPr>
-      <c:txPr>
-        <a:bodyPr rot="0" spcFirstLastPara="1" vertOverflow="ellipsis" vert="horz" wrap="square" anchor="ctr" anchorCtr="1"/>
-        <a:lstStyle/>
-        <a:p>
-          <a:pPr>
-            <a:defRPr sz="1400" b="0" i="0" u="none" strike="noStrike" kern="1200" spc="0" baseline="0">
-              <a:solidFill>
-                <a:schemeClr val="tx1">
-                  <a:lumMod val="65000"/>
-                  <a:lumOff val="35000"/>
-                </a:schemeClr>
-              </a:solidFill>
-              <a:latin typeface="+mn-lt"/>
-              <a:ea typeface="+mn-ea"/>
-              <a:cs typeface="+mn-cs"/>
-            </a:defRPr>
-          </a:pPr>
-          <a:endParaRPr lang="en-US"/>
-        </a:p>
-      </c:txPr>
-    </c:title>
-    <c:autoTitleDeleted val="0"/>
-    <c:plotArea>
-      <c:layout/>
-      <c:barChart>
-        <c:barDir val="col"/>
-        <c:grouping val="clustered"/>
-        <c:varyColors val="0"/>
-        <c:ser>
-          <c:idx val="0"/>
-          <c:order val="0"/>
-          <c:tx>
-            <c:strRef>
-              <c:f>'load compare'!$A$8</c:f>
-              <c:strCache>
-                <c:ptCount val="1"/>
-                <c:pt idx="0">
-                  <c:v>Query 4</c:v>
-                </c:pt>
-              </c:strCache>
-            </c:strRef>
-          </c:tx>
-          <c:spPr>
-            <a:solidFill>
-              <a:schemeClr val="accent1"/>
-            </a:solidFill>
-            <a:ln>
-              <a:noFill/>
-            </a:ln>
-            <a:effectLst/>
-          </c:spPr>
-          <c:invertIfNegative val="0"/>
-          <c:cat>
-            <c:strRef>
-              <c:f>'load compare'!$B$7:$C$7</c:f>
-              <c:strCache>
-                <c:ptCount val="2"/>
-                <c:pt idx="0">
-                  <c:v>Time (1k)</c:v>
-                </c:pt>
-                <c:pt idx="1">
-                  <c:v>Time (10k)</c:v>
-                </c:pt>
-              </c:strCache>
-            </c:strRef>
-          </c:cat>
-          <c:val>
-            <c:numRef>
-              <c:f>'load compare'!$B$8:$C$8</c:f>
-              <c:numCache>
-                <c:formatCode>General</c:formatCode>
-                <c:ptCount val="2"/>
-                <c:pt idx="0">
-                  <c:v>31.004999875999999</c:v>
-                </c:pt>
-                <c:pt idx="1">
-                  <c:v>1219.3810000399999</c:v>
-                </c:pt>
-              </c:numCache>
-            </c:numRef>
-          </c:val>
-        </c:ser>
-        <c:dLbls>
-          <c:showLegendKey val="0"/>
-          <c:showVal val="0"/>
-          <c:showCatName val="0"/>
-          <c:showSerName val="0"/>
-          <c:showPercent val="0"/>
-          <c:showBubbleSize val="0"/>
-        </c:dLbls>
-        <c:gapWidth val="219"/>
-        <c:overlap val="-27"/>
-        <c:axId val="329996960"/>
-        <c:axId val="329996176"/>
-      </c:barChart>
-      <c:catAx>
-        <c:axId val="329996960"/>
-        <c:scaling>
-          <c:orientation val="minMax"/>
-        </c:scaling>
-        <c:delete val="0"/>
-        <c:axPos val="b"/>
-        <c:numFmt formatCode="General" sourceLinked="1"/>
-        <c:majorTickMark val="none"/>
-        <c:minorTickMark val="none"/>
-        <c:tickLblPos val="nextTo"/>
-        <c:spPr>
-          <a:noFill/>
-          <a:ln w="9525" cap="flat" cmpd="sng" algn="ctr">
-            <a:solidFill>
-              <a:schemeClr val="tx1">
-                <a:lumMod val="15000"/>
-                <a:lumOff val="85000"/>
-              </a:schemeClr>
-            </a:solidFill>
-            <a:round/>
-          </a:ln>
-          <a:effectLst/>
-        </c:spPr>
-        <c:txPr>
-          <a:bodyPr rot="-60000000" spcFirstLastPara="1" vertOverflow="ellipsis" vert="horz" wrap="square" anchor="ctr" anchorCtr="1"/>
-          <a:lstStyle/>
-          <a:p>
-            <a:pPr>
-              <a:defRPr sz="900" b="0" i="0" u="none" strike="noStrike" kern="1200" baseline="0">
-                <a:solidFill>
-                  <a:schemeClr val="tx1">
-                    <a:lumMod val="65000"/>
-                    <a:lumOff val="35000"/>
-                  </a:schemeClr>
-                </a:solidFill>
-                <a:latin typeface="+mn-lt"/>
-                <a:ea typeface="+mn-ea"/>
-                <a:cs typeface="+mn-cs"/>
-              </a:defRPr>
-            </a:pPr>
-            <a:endParaRPr lang="en-US"/>
-          </a:p>
-        </c:txPr>
-        <c:crossAx val="329996176"/>
-        <c:crosses val="autoZero"/>
-        <c:auto val="1"/>
-        <c:lblAlgn val="ctr"/>
-        <c:lblOffset val="100"/>
-        <c:noMultiLvlLbl val="0"/>
-      </c:catAx>
-      <c:valAx>
-        <c:axId val="329996176"/>
-        <c:scaling>
-          <c:orientation val="minMax"/>
-        </c:scaling>
-        <c:delete val="0"/>
-        <c:axPos val="l"/>
-        <c:majorGridlines>
-          <c:spPr>
-            <a:ln w="9525" cap="flat" cmpd="sng" algn="ctr">
-              <a:solidFill>
-                <a:schemeClr val="tx1">
-                  <a:lumMod val="15000"/>
-                  <a:lumOff val="85000"/>
-                </a:schemeClr>
-              </a:solidFill>
-              <a:round/>
-            </a:ln>
-            <a:effectLst/>
-          </c:spPr>
-        </c:majorGridlines>
-        <c:numFmt formatCode="General" sourceLinked="1"/>
-        <c:majorTickMark val="none"/>
-        <c:minorTickMark val="none"/>
-        <c:tickLblPos val="nextTo"/>
-        <c:spPr>
-          <a:noFill/>
-          <a:ln>
-            <a:noFill/>
-          </a:ln>
-          <a:effectLst/>
-        </c:spPr>
-        <c:txPr>
-          <a:bodyPr rot="-60000000" spcFirstLastPara="1" vertOverflow="ellipsis" vert="horz" wrap="square" anchor="ctr" anchorCtr="1"/>
-          <a:lstStyle/>
-          <a:p>
-            <a:pPr>
-              <a:defRPr sz="900" b="0" i="0" u="none" strike="noStrike" kern="1200" baseline="0">
-                <a:solidFill>
-                  <a:schemeClr val="tx1">
-                    <a:lumMod val="65000"/>
-                    <a:lumOff val="35000"/>
-                  </a:schemeClr>
-                </a:solidFill>
-                <a:latin typeface="+mn-lt"/>
-                <a:ea typeface="+mn-ea"/>
-                <a:cs typeface="+mn-cs"/>
-              </a:defRPr>
-            </a:pPr>
-            <a:endParaRPr lang="en-US"/>
-          </a:p>
-        </c:txPr>
-        <c:crossAx val="329996960"/>
         <c:crosses val="autoZero"/>
         <c:crossBetween val="between"/>
       </c:valAx>
@@ -2487,46 +2248,6 @@
 </cs:colorStyle>
 </file>
 
-<file path=ppt/charts/colors8.xml><?xml version="1.0" encoding="utf-8"?>
-<cs:colorStyle xmlns:cs="http://schemas.microsoft.com/office/drawing/2012/chartStyle" xmlns:a="http://schemas.openxmlformats.org/drawingml/2006/main" meth="cycle" id="10">
-  <a:schemeClr val="accent1"/>
-  <a:schemeClr val="accent2"/>
-  <a:schemeClr val="accent3"/>
-  <a:schemeClr val="accent4"/>
-  <a:schemeClr val="accent5"/>
-  <a:schemeClr val="accent6"/>
-  <cs:variation/>
-  <cs:variation>
-    <a:lumMod val="60000"/>
-  </cs:variation>
-  <cs:variation>
-    <a:lumMod val="80000"/>
-    <a:lumOff val="20000"/>
-  </cs:variation>
-  <cs:variation>
-    <a:lumMod val="80000"/>
-  </cs:variation>
-  <cs:variation>
-    <a:lumMod val="60000"/>
-    <a:lumOff val="40000"/>
-  </cs:variation>
-  <cs:variation>
-    <a:lumMod val="50000"/>
-  </cs:variation>
-  <cs:variation>
-    <a:lumMod val="70000"/>
-    <a:lumOff val="30000"/>
-  </cs:variation>
-  <cs:variation>
-    <a:lumMod val="70000"/>
-  </cs:variation>
-  <cs:variation>
-    <a:lumMod val="50000"/>
-    <a:lumOff val="50000"/>
-  </cs:variation>
-</cs:colorStyle>
-</file>
-
 <file path=ppt/charts/style1.xml><?xml version="1.0" encoding="utf-8"?>
 <cs:chartStyle xmlns:cs="http://schemas.microsoft.com/office/drawing/2012/chartStyle" xmlns:a="http://schemas.openxmlformats.org/drawingml/2006/main" id="201">
   <cs:axisTitle>
@@ -6048,507 +5769,1000 @@
 </cs:chartStyle>
 </file>
 
-<file path=ppt/charts/style8.xml><?xml version="1.0" encoding="utf-8"?>
-<cs:chartStyle xmlns:cs="http://schemas.microsoft.com/office/drawing/2012/chartStyle" xmlns:a="http://schemas.openxmlformats.org/drawingml/2006/main" id="201">
-  <cs:axisTitle>
-    <cs:lnRef idx="0"/>
-    <cs:fillRef idx="0"/>
-    <cs:effectRef idx="0"/>
-    <cs:fontRef idx="minor">
-      <a:schemeClr val="tx1">
-        <a:lumMod val="65000"/>
-        <a:lumOff val="35000"/>
-      </a:schemeClr>
-    </cs:fontRef>
-    <cs:defRPr sz="1000" kern="1200"/>
-  </cs:axisTitle>
-  <cs:categoryAxis>
-    <cs:lnRef idx="0"/>
-    <cs:fillRef idx="0"/>
-    <cs:effectRef idx="0"/>
-    <cs:fontRef idx="minor">
-      <a:schemeClr val="tx1">
-        <a:lumMod val="65000"/>
-        <a:lumOff val="35000"/>
-      </a:schemeClr>
-    </cs:fontRef>
-    <cs:spPr>
-      <a:ln w="9525" cap="flat" cmpd="sng" algn="ctr">
+<file path=ppt/notesMasters/notesMaster1.xml><?xml version="1.0" encoding="utf-8"?>
+<p:notesMaster xmlns:a="http://schemas.openxmlformats.org/drawingml/2006/main" xmlns:r="http://schemas.openxmlformats.org/officeDocument/2006/relationships" xmlns:p="http://schemas.openxmlformats.org/presentationml/2006/main">
+  <p:cSld>
+    <p:bg>
+      <p:bgRef idx="1001">
+        <a:schemeClr val="bg1"/>
+      </p:bgRef>
+    </p:bg>
+    <p:spTree>
+      <p:nvGrpSpPr>
+        <p:cNvPr id="1" name=""/>
+        <p:cNvGrpSpPr/>
+        <p:nvPr/>
+      </p:nvGrpSpPr>
+      <p:grpSpPr>
+        <a:xfrm>
+          <a:off x="0" y="0"/>
+          <a:ext cx="0" cy="0"/>
+          <a:chOff x="0" y="0"/>
+          <a:chExt cx="0" cy="0"/>
+        </a:xfrm>
+      </p:grpSpPr>
+      <p:sp>
+        <p:nvSpPr>
+          <p:cNvPr id="2" name="Header Placeholder 1"/>
+          <p:cNvSpPr>
+            <a:spLocks noGrp="1"/>
+          </p:cNvSpPr>
+          <p:nvPr>
+            <p:ph type="hdr" sz="quarter"/>
+          </p:nvPr>
+        </p:nvSpPr>
+        <p:spPr>
+          <a:xfrm>
+            <a:off x="0" y="0"/>
+            <a:ext cx="2971800" cy="458788"/>
+          </a:xfrm>
+          <a:prstGeom prst="rect">
+            <a:avLst/>
+          </a:prstGeom>
+        </p:spPr>
+        <p:txBody>
+          <a:bodyPr vert="horz" lIns="91440" tIns="45720" rIns="91440" bIns="45720" rtlCol="0"/>
+          <a:lstStyle>
+            <a:lvl1pPr algn="l">
+              <a:defRPr sz="1200"/>
+            </a:lvl1pPr>
+          </a:lstStyle>
+          <a:p>
+            <a:endParaRPr lang="en-US"/>
+          </a:p>
+        </p:txBody>
+      </p:sp>
+      <p:sp>
+        <p:nvSpPr>
+          <p:cNvPr id="3" name="Date Placeholder 2"/>
+          <p:cNvSpPr>
+            <a:spLocks noGrp="1"/>
+          </p:cNvSpPr>
+          <p:nvPr>
+            <p:ph type="dt" idx="1"/>
+          </p:nvPr>
+        </p:nvSpPr>
+        <p:spPr>
+          <a:xfrm>
+            <a:off x="3884613" y="0"/>
+            <a:ext cx="2971800" cy="458788"/>
+          </a:xfrm>
+          <a:prstGeom prst="rect">
+            <a:avLst/>
+          </a:prstGeom>
+        </p:spPr>
+        <p:txBody>
+          <a:bodyPr vert="horz" lIns="91440" tIns="45720" rIns="91440" bIns="45720" rtlCol="0"/>
+          <a:lstStyle>
+            <a:lvl1pPr algn="r">
+              <a:defRPr sz="1200"/>
+            </a:lvl1pPr>
+          </a:lstStyle>
+          <a:p>
+            <a:fld id="{A81229D1-AACC-447E-87A4-B4E9746CB915}" type="datetimeFigureOut">
+              <a:rPr lang="en-US" smtClean="0"/>
+              <a:t>4/28/2014</a:t>
+            </a:fld>
+            <a:endParaRPr lang="en-US"/>
+          </a:p>
+        </p:txBody>
+      </p:sp>
+      <p:sp>
+        <p:nvSpPr>
+          <p:cNvPr id="4" name="Slide Image Placeholder 3"/>
+          <p:cNvSpPr>
+            <a:spLocks noGrp="1" noRot="1" noChangeAspect="1"/>
+          </p:cNvSpPr>
+          <p:nvPr>
+            <p:ph type="sldImg" idx="2"/>
+          </p:nvPr>
+        </p:nvSpPr>
+        <p:spPr>
+          <a:xfrm>
+            <a:off x="685800" y="1143000"/>
+            <a:ext cx="5486400" cy="3086100"/>
+          </a:xfrm>
+          <a:prstGeom prst="rect">
+            <a:avLst/>
+          </a:prstGeom>
+          <a:noFill/>
+          <a:ln w="12700">
+            <a:solidFill>
+              <a:prstClr val="black"/>
+            </a:solidFill>
+          </a:ln>
+        </p:spPr>
+        <p:txBody>
+          <a:bodyPr vert="horz" lIns="91440" tIns="45720" rIns="91440" bIns="45720" rtlCol="0" anchor="ctr"/>
+          <a:lstStyle/>
+          <a:p>
+            <a:endParaRPr lang="en-US"/>
+          </a:p>
+        </p:txBody>
+      </p:sp>
+      <p:sp>
+        <p:nvSpPr>
+          <p:cNvPr id="5" name="Notes Placeholder 4"/>
+          <p:cNvSpPr>
+            <a:spLocks noGrp="1"/>
+          </p:cNvSpPr>
+          <p:nvPr>
+            <p:ph type="body" sz="quarter" idx="3"/>
+          </p:nvPr>
+        </p:nvSpPr>
+        <p:spPr>
+          <a:xfrm>
+            <a:off x="685800" y="4400550"/>
+            <a:ext cx="5486400" cy="3600450"/>
+          </a:xfrm>
+          <a:prstGeom prst="rect">
+            <a:avLst/>
+          </a:prstGeom>
+        </p:spPr>
+        <p:txBody>
+          <a:bodyPr vert="horz" lIns="91440" tIns="45720" rIns="91440" bIns="45720" rtlCol="0"/>
+          <a:lstStyle/>
+          <a:p>
+            <a:pPr lvl="0"/>
+            <a:r>
+              <a:rPr lang="en-US" smtClean="0"/>
+              <a:t>Click to edit Master text styles</a:t>
+            </a:r>
+          </a:p>
+          <a:p>
+            <a:pPr lvl="1"/>
+            <a:r>
+              <a:rPr lang="en-US" smtClean="0"/>
+              <a:t>Second level</a:t>
+            </a:r>
+          </a:p>
+          <a:p>
+            <a:pPr lvl="2"/>
+            <a:r>
+              <a:rPr lang="en-US" smtClean="0"/>
+              <a:t>Third level</a:t>
+            </a:r>
+          </a:p>
+          <a:p>
+            <a:pPr lvl="3"/>
+            <a:r>
+              <a:rPr lang="en-US" smtClean="0"/>
+              <a:t>Fourth level</a:t>
+            </a:r>
+          </a:p>
+          <a:p>
+            <a:pPr lvl="4"/>
+            <a:r>
+              <a:rPr lang="en-US" smtClean="0"/>
+              <a:t>Fifth level</a:t>
+            </a:r>
+            <a:endParaRPr lang="en-US"/>
+          </a:p>
+        </p:txBody>
+      </p:sp>
+      <p:sp>
+        <p:nvSpPr>
+          <p:cNvPr id="6" name="Footer Placeholder 5"/>
+          <p:cNvSpPr>
+            <a:spLocks noGrp="1"/>
+          </p:cNvSpPr>
+          <p:nvPr>
+            <p:ph type="ftr" sz="quarter" idx="4"/>
+          </p:nvPr>
+        </p:nvSpPr>
+        <p:spPr>
+          <a:xfrm>
+            <a:off x="0" y="8685213"/>
+            <a:ext cx="2971800" cy="458787"/>
+          </a:xfrm>
+          <a:prstGeom prst="rect">
+            <a:avLst/>
+          </a:prstGeom>
+        </p:spPr>
+        <p:txBody>
+          <a:bodyPr vert="horz" lIns="91440" tIns="45720" rIns="91440" bIns="45720" rtlCol="0" anchor="b"/>
+          <a:lstStyle>
+            <a:lvl1pPr algn="l">
+              <a:defRPr sz="1200"/>
+            </a:lvl1pPr>
+          </a:lstStyle>
+          <a:p>
+            <a:endParaRPr lang="en-US"/>
+          </a:p>
+        </p:txBody>
+      </p:sp>
+      <p:sp>
+        <p:nvSpPr>
+          <p:cNvPr id="7" name="Slide Number Placeholder 6"/>
+          <p:cNvSpPr>
+            <a:spLocks noGrp="1"/>
+          </p:cNvSpPr>
+          <p:nvPr>
+            <p:ph type="sldNum" sz="quarter" idx="5"/>
+          </p:nvPr>
+        </p:nvSpPr>
+        <p:spPr>
+          <a:xfrm>
+            <a:off x="3884613" y="8685213"/>
+            <a:ext cx="2971800" cy="458787"/>
+          </a:xfrm>
+          <a:prstGeom prst="rect">
+            <a:avLst/>
+          </a:prstGeom>
+        </p:spPr>
+        <p:txBody>
+          <a:bodyPr vert="horz" lIns="91440" tIns="45720" rIns="91440" bIns="45720" rtlCol="0" anchor="b"/>
+          <a:lstStyle>
+            <a:lvl1pPr algn="r">
+              <a:defRPr sz="1200"/>
+            </a:lvl1pPr>
+          </a:lstStyle>
+          <a:p>
+            <a:fld id="{EEF425B4-61C6-4ED2-93CF-D4CCC7CFDE91}" type="slidenum">
+              <a:rPr lang="en-US" smtClean="0"/>
+              <a:t>‹#›</a:t>
+            </a:fld>
+            <a:endParaRPr lang="en-US"/>
+          </a:p>
+        </p:txBody>
+      </p:sp>
+    </p:spTree>
+    <p:extLst>
+      <p:ext uri="{BB962C8B-B14F-4D97-AF65-F5344CB8AC3E}">
+        <p14:creationId xmlns:p14="http://schemas.microsoft.com/office/powerpoint/2010/main" val="581979792"/>
+      </p:ext>
+    </p:extLst>
+  </p:cSld>
+  <p:clrMap bg1="lt1" tx1="dk1" bg2="lt2" tx2="dk2" accent1="accent1" accent2="accent2" accent3="accent3" accent4="accent4" accent5="accent5" accent6="accent6" hlink="hlink" folHlink="folHlink"/>
+  <p:notesStyle>
+    <a:lvl1pPr marL="0" algn="l" defTabSz="914400" rtl="0" eaLnBrk="1" latinLnBrk="0" hangingPunct="1">
+      <a:defRPr sz="1200" kern="1200">
         <a:solidFill>
-          <a:schemeClr val="tx1">
-            <a:lumMod val="15000"/>
-            <a:lumOff val="85000"/>
-          </a:schemeClr>
+          <a:schemeClr val="tx1"/>
         </a:solidFill>
-        <a:round/>
-      </a:ln>
-    </cs:spPr>
-    <cs:defRPr sz="900" kern="1200"/>
-  </cs:categoryAxis>
-  <cs:chartArea mods="allowNoFillOverride allowNoLineOverride">
-    <cs:lnRef idx="0"/>
-    <cs:fillRef idx="0"/>
-    <cs:effectRef idx="0"/>
-    <cs:fontRef idx="minor">
-      <a:schemeClr val="tx1"/>
-    </cs:fontRef>
-    <cs:spPr>
-      <a:solidFill>
-        <a:schemeClr val="bg1"/>
-      </a:solidFill>
-      <a:ln w="9525" cap="flat" cmpd="sng" algn="ctr">
+        <a:latin typeface="+mn-lt"/>
+        <a:ea typeface="+mn-ea"/>
+        <a:cs typeface="+mn-cs"/>
+      </a:defRPr>
+    </a:lvl1pPr>
+    <a:lvl2pPr marL="457200" algn="l" defTabSz="914400" rtl="0" eaLnBrk="1" latinLnBrk="0" hangingPunct="1">
+      <a:defRPr sz="1200" kern="1200">
         <a:solidFill>
-          <a:schemeClr val="tx1">
-            <a:lumMod val="15000"/>
-            <a:lumOff val="85000"/>
-          </a:schemeClr>
+          <a:schemeClr val="tx1"/>
         </a:solidFill>
-        <a:round/>
-      </a:ln>
-    </cs:spPr>
-    <cs:defRPr sz="1000" kern="1200"/>
-  </cs:chartArea>
-  <cs:dataLabel>
-    <cs:lnRef idx="0"/>
-    <cs:fillRef idx="0"/>
-    <cs:effectRef idx="0"/>
-    <cs:fontRef idx="minor">
-      <a:schemeClr val="tx1">
-        <a:lumMod val="75000"/>
-        <a:lumOff val="25000"/>
-      </a:schemeClr>
-    </cs:fontRef>
-    <cs:defRPr sz="900" kern="1200"/>
-  </cs:dataLabel>
-  <cs:dataLabelCallout>
-    <cs:lnRef idx="0"/>
-    <cs:fillRef idx="0"/>
-    <cs:effectRef idx="0"/>
-    <cs:fontRef idx="minor">
-      <a:schemeClr val="dk1">
-        <a:lumMod val="65000"/>
-        <a:lumOff val="35000"/>
-      </a:schemeClr>
-    </cs:fontRef>
-    <cs:spPr>
-      <a:solidFill>
-        <a:schemeClr val="lt1"/>
-      </a:solidFill>
-      <a:ln>
+        <a:latin typeface="+mn-lt"/>
+        <a:ea typeface="+mn-ea"/>
+        <a:cs typeface="+mn-cs"/>
+      </a:defRPr>
+    </a:lvl2pPr>
+    <a:lvl3pPr marL="914400" algn="l" defTabSz="914400" rtl="0" eaLnBrk="1" latinLnBrk="0" hangingPunct="1">
+      <a:defRPr sz="1200" kern="1200">
         <a:solidFill>
-          <a:schemeClr val="dk1">
-            <a:lumMod val="25000"/>
-            <a:lumOff val="75000"/>
-          </a:schemeClr>
+          <a:schemeClr val="tx1"/>
         </a:solidFill>
-      </a:ln>
-    </cs:spPr>
-    <cs:defRPr sz="900" kern="1200"/>
-    <cs:bodyPr rot="0" spcFirstLastPara="1" vertOverflow="clip" horzOverflow="clip" vert="horz" wrap="square" lIns="36576" tIns="18288" rIns="36576" bIns="18288" anchor="ctr" anchorCtr="1">
-      <a:spAutoFit/>
-    </cs:bodyPr>
-  </cs:dataLabelCallout>
-  <cs:dataPoint>
-    <cs:lnRef idx="0"/>
-    <cs:fillRef idx="1">
-      <cs:styleClr val="auto"/>
-    </cs:fillRef>
-    <cs:effectRef idx="0"/>
-    <cs:fontRef idx="minor">
-      <a:schemeClr val="tx1"/>
-    </cs:fontRef>
-  </cs:dataPoint>
-  <cs:dataPoint3D>
-    <cs:lnRef idx="0"/>
-    <cs:fillRef idx="1">
-      <cs:styleClr val="auto"/>
-    </cs:fillRef>
-    <cs:effectRef idx="0"/>
-    <cs:fontRef idx="minor">
-      <a:schemeClr val="tx1"/>
-    </cs:fontRef>
-  </cs:dataPoint3D>
-  <cs:dataPointLine>
-    <cs:lnRef idx="0">
-      <cs:styleClr val="auto"/>
-    </cs:lnRef>
-    <cs:fillRef idx="1"/>
-    <cs:effectRef idx="0"/>
-    <cs:fontRef idx="minor">
-      <a:schemeClr val="tx1"/>
-    </cs:fontRef>
-    <cs:spPr>
-      <a:ln w="28575" cap="rnd">
+        <a:latin typeface="+mn-lt"/>
+        <a:ea typeface="+mn-ea"/>
+        <a:cs typeface="+mn-cs"/>
+      </a:defRPr>
+    </a:lvl3pPr>
+    <a:lvl4pPr marL="1371600" algn="l" defTabSz="914400" rtl="0" eaLnBrk="1" latinLnBrk="0" hangingPunct="1">
+      <a:defRPr sz="1200" kern="1200">
         <a:solidFill>
-          <a:schemeClr val="phClr"/>
+          <a:schemeClr val="tx1"/>
         </a:solidFill>
-        <a:round/>
-      </a:ln>
-    </cs:spPr>
-  </cs:dataPointLine>
-  <cs:dataPointMarker>
-    <cs:lnRef idx="0">
-      <cs:styleClr val="auto"/>
-    </cs:lnRef>
-    <cs:fillRef idx="1">
-      <cs:styleClr val="auto"/>
-    </cs:fillRef>
-    <cs:effectRef idx="0"/>
-    <cs:fontRef idx="minor">
-      <a:schemeClr val="tx1"/>
-    </cs:fontRef>
-    <cs:spPr>
-      <a:ln w="9525">
+        <a:latin typeface="+mn-lt"/>
+        <a:ea typeface="+mn-ea"/>
+        <a:cs typeface="+mn-cs"/>
+      </a:defRPr>
+    </a:lvl4pPr>
+    <a:lvl5pPr marL="1828800" algn="l" defTabSz="914400" rtl="0" eaLnBrk="1" latinLnBrk="0" hangingPunct="1">
+      <a:defRPr sz="1200" kern="1200">
         <a:solidFill>
-          <a:schemeClr val="phClr"/>
+          <a:schemeClr val="tx1"/>
         </a:solidFill>
-      </a:ln>
-    </cs:spPr>
-  </cs:dataPointMarker>
-  <cs:dataPointMarkerLayout symbol="circle" size="5"/>
-  <cs:dataPointWireframe>
-    <cs:lnRef idx="0">
-      <cs:styleClr val="auto"/>
-    </cs:lnRef>
-    <cs:fillRef idx="1"/>
-    <cs:effectRef idx="0"/>
-    <cs:fontRef idx="minor">
-      <a:schemeClr val="tx1"/>
-    </cs:fontRef>
-    <cs:spPr>
-      <a:ln w="9525" cap="rnd">
+        <a:latin typeface="+mn-lt"/>
+        <a:ea typeface="+mn-ea"/>
+        <a:cs typeface="+mn-cs"/>
+      </a:defRPr>
+    </a:lvl5pPr>
+    <a:lvl6pPr marL="2286000" algn="l" defTabSz="914400" rtl="0" eaLnBrk="1" latinLnBrk="0" hangingPunct="1">
+      <a:defRPr sz="1200" kern="1200">
         <a:solidFill>
-          <a:schemeClr val="phClr"/>
+          <a:schemeClr val="tx1"/>
         </a:solidFill>
-        <a:round/>
-      </a:ln>
-    </cs:spPr>
-  </cs:dataPointWireframe>
-  <cs:dataTable>
-    <cs:lnRef idx="0"/>
-    <cs:fillRef idx="0"/>
-    <cs:effectRef idx="0"/>
-    <cs:fontRef idx="minor">
-      <a:schemeClr val="tx1">
-        <a:lumMod val="65000"/>
-        <a:lumOff val="35000"/>
-      </a:schemeClr>
-    </cs:fontRef>
-    <cs:spPr>
-      <a:noFill/>
-      <a:ln w="9525" cap="flat" cmpd="sng" algn="ctr">
+        <a:latin typeface="+mn-lt"/>
+        <a:ea typeface="+mn-ea"/>
+        <a:cs typeface="+mn-cs"/>
+      </a:defRPr>
+    </a:lvl6pPr>
+    <a:lvl7pPr marL="2743200" algn="l" defTabSz="914400" rtl="0" eaLnBrk="1" latinLnBrk="0" hangingPunct="1">
+      <a:defRPr sz="1200" kern="1200">
         <a:solidFill>
-          <a:schemeClr val="tx1">
-            <a:lumMod val="15000"/>
-            <a:lumOff val="85000"/>
-          </a:schemeClr>
+          <a:schemeClr val="tx1"/>
         </a:solidFill>
-        <a:round/>
-      </a:ln>
-    </cs:spPr>
-    <cs:defRPr sz="900" kern="1200"/>
-  </cs:dataTable>
-  <cs:downBar>
-    <cs:lnRef idx="0"/>
-    <cs:fillRef idx="0"/>
-    <cs:effectRef idx="0"/>
-    <cs:fontRef idx="minor">
-      <a:schemeClr val="dk1"/>
-    </cs:fontRef>
-    <cs:spPr>
-      <a:solidFill>
-        <a:schemeClr val="dk1">
-          <a:lumMod val="65000"/>
-          <a:lumOff val="35000"/>
-        </a:schemeClr>
-      </a:solidFill>
-      <a:ln w="9525">
+        <a:latin typeface="+mn-lt"/>
+        <a:ea typeface="+mn-ea"/>
+        <a:cs typeface="+mn-cs"/>
+      </a:defRPr>
+    </a:lvl7pPr>
+    <a:lvl8pPr marL="3200400" algn="l" defTabSz="914400" rtl="0" eaLnBrk="1" latinLnBrk="0" hangingPunct="1">
+      <a:defRPr sz="1200" kern="1200">
         <a:solidFill>
-          <a:schemeClr val="tx1">
-            <a:lumMod val="65000"/>
-            <a:lumOff val="35000"/>
-          </a:schemeClr>
+          <a:schemeClr val="tx1"/>
         </a:solidFill>
-      </a:ln>
-    </cs:spPr>
-  </cs:downBar>
-  <cs:dropLine>
-    <cs:lnRef idx="0"/>
-    <cs:fillRef idx="0"/>
-    <cs:effectRef idx="0"/>
-    <cs:fontRef idx="minor">
-      <a:schemeClr val="tx1"/>
-    </cs:fontRef>
-    <cs:spPr>
-      <a:ln w="9525" cap="flat" cmpd="sng" algn="ctr">
+        <a:latin typeface="+mn-lt"/>
+        <a:ea typeface="+mn-ea"/>
+        <a:cs typeface="+mn-cs"/>
+      </a:defRPr>
+    </a:lvl8pPr>
+    <a:lvl9pPr marL="3657600" algn="l" defTabSz="914400" rtl="0" eaLnBrk="1" latinLnBrk="0" hangingPunct="1">
+      <a:defRPr sz="1200" kern="1200">
         <a:solidFill>
-          <a:schemeClr val="tx1">
-            <a:lumMod val="35000"/>
-            <a:lumOff val="65000"/>
-          </a:schemeClr>
+          <a:schemeClr val="tx1"/>
         </a:solidFill>
-        <a:round/>
-      </a:ln>
-    </cs:spPr>
-  </cs:dropLine>
-  <cs:errorBar>
-    <cs:lnRef idx="0"/>
-    <cs:fillRef idx="0"/>
-    <cs:effectRef idx="0"/>
-    <cs:fontRef idx="minor">
-      <a:schemeClr val="tx1"/>
-    </cs:fontRef>
-    <cs:spPr>
-      <a:ln w="9525" cap="flat" cmpd="sng" algn="ctr">
-        <a:solidFill>
-          <a:schemeClr val="tx1">
-            <a:lumMod val="65000"/>
-            <a:lumOff val="35000"/>
-          </a:schemeClr>
-        </a:solidFill>
-        <a:round/>
-      </a:ln>
-    </cs:spPr>
-  </cs:errorBar>
-  <cs:floor>
-    <cs:lnRef idx="0"/>
-    <cs:fillRef idx="0"/>
-    <cs:effectRef idx="0"/>
-    <cs:fontRef idx="minor">
-      <a:schemeClr val="tx1"/>
-    </cs:fontRef>
-    <cs:spPr>
-      <a:noFill/>
-      <a:ln>
-        <a:noFill/>
-      </a:ln>
-    </cs:spPr>
-  </cs:floor>
-  <cs:gridlineMajor>
-    <cs:lnRef idx="0"/>
-    <cs:fillRef idx="0"/>
-    <cs:effectRef idx="0"/>
-    <cs:fontRef idx="minor">
-      <a:schemeClr val="tx1"/>
-    </cs:fontRef>
-    <cs:spPr>
-      <a:ln w="9525" cap="flat" cmpd="sng" algn="ctr">
-        <a:solidFill>
-          <a:schemeClr val="tx1">
-            <a:lumMod val="15000"/>
-            <a:lumOff val="85000"/>
-          </a:schemeClr>
-        </a:solidFill>
-        <a:round/>
-      </a:ln>
-    </cs:spPr>
-  </cs:gridlineMajor>
-  <cs:gridlineMinor>
-    <cs:lnRef idx="0"/>
-    <cs:fillRef idx="0"/>
-    <cs:effectRef idx="0"/>
-    <cs:fontRef idx="minor">
-      <a:schemeClr val="tx1"/>
-    </cs:fontRef>
-    <cs:spPr>
-      <a:ln w="9525" cap="flat" cmpd="sng" algn="ctr">
-        <a:solidFill>
-          <a:schemeClr val="tx1">
-            <a:lumMod val="5000"/>
-            <a:lumOff val="95000"/>
-          </a:schemeClr>
-        </a:solidFill>
-        <a:round/>
-      </a:ln>
-    </cs:spPr>
-  </cs:gridlineMinor>
-  <cs:hiLoLine>
-    <cs:lnRef idx="0"/>
-    <cs:fillRef idx="0"/>
-    <cs:effectRef idx="0"/>
-    <cs:fontRef idx="minor">
-      <a:schemeClr val="tx1"/>
-    </cs:fontRef>
-    <cs:spPr>
-      <a:ln w="9525" cap="flat" cmpd="sng" algn="ctr">
-        <a:solidFill>
-          <a:schemeClr val="tx1">
-            <a:lumMod val="75000"/>
-            <a:lumOff val="25000"/>
-          </a:schemeClr>
-        </a:solidFill>
-        <a:round/>
-      </a:ln>
-    </cs:spPr>
-  </cs:hiLoLine>
-  <cs:leaderLine>
-    <cs:lnRef idx="0"/>
-    <cs:fillRef idx="0"/>
-    <cs:effectRef idx="0"/>
-    <cs:fontRef idx="minor">
-      <a:schemeClr val="tx1"/>
-    </cs:fontRef>
-    <cs:spPr>
-      <a:ln w="9525" cap="flat" cmpd="sng" algn="ctr">
-        <a:solidFill>
-          <a:schemeClr val="tx1">
-            <a:lumMod val="35000"/>
-            <a:lumOff val="65000"/>
-          </a:schemeClr>
-        </a:solidFill>
-        <a:round/>
-      </a:ln>
-    </cs:spPr>
-  </cs:leaderLine>
-  <cs:legend>
-    <cs:lnRef idx="0"/>
-    <cs:fillRef idx="0"/>
-    <cs:effectRef idx="0"/>
-    <cs:fontRef idx="minor">
-      <a:schemeClr val="tx1">
-        <a:lumMod val="65000"/>
-        <a:lumOff val="35000"/>
-      </a:schemeClr>
-    </cs:fontRef>
-    <cs:defRPr sz="900" kern="1200"/>
-  </cs:legend>
-  <cs:plotArea mods="allowNoFillOverride allowNoLineOverride">
-    <cs:lnRef idx="0"/>
-    <cs:fillRef idx="0"/>
-    <cs:effectRef idx="0"/>
-    <cs:fontRef idx="minor">
-      <a:schemeClr val="tx1"/>
-    </cs:fontRef>
-  </cs:plotArea>
-  <cs:plotArea3D mods="allowNoFillOverride allowNoLineOverride">
-    <cs:lnRef idx="0"/>
-    <cs:fillRef idx="0"/>
-    <cs:effectRef idx="0"/>
-    <cs:fontRef idx="minor">
-      <a:schemeClr val="tx1"/>
-    </cs:fontRef>
-  </cs:plotArea3D>
-  <cs:seriesAxis>
-    <cs:lnRef idx="0"/>
-    <cs:fillRef idx="0"/>
-    <cs:effectRef idx="0"/>
-    <cs:fontRef idx="minor">
-      <a:schemeClr val="tx1">
-        <a:lumMod val="65000"/>
-        <a:lumOff val="35000"/>
-      </a:schemeClr>
-    </cs:fontRef>
-    <cs:defRPr sz="900" kern="1200"/>
-  </cs:seriesAxis>
-  <cs:seriesLine>
-    <cs:lnRef idx="0"/>
-    <cs:fillRef idx="0"/>
-    <cs:effectRef idx="0"/>
-    <cs:fontRef idx="minor">
-      <a:schemeClr val="tx1"/>
-    </cs:fontRef>
-    <cs:spPr>
-      <a:ln w="9525" cap="flat" cmpd="sng" algn="ctr">
-        <a:solidFill>
-          <a:schemeClr val="tx1">
-            <a:lumMod val="35000"/>
-            <a:lumOff val="65000"/>
-          </a:schemeClr>
-        </a:solidFill>
-        <a:round/>
-      </a:ln>
-    </cs:spPr>
-  </cs:seriesLine>
-  <cs:title>
-    <cs:lnRef idx="0"/>
-    <cs:fillRef idx="0"/>
-    <cs:effectRef idx="0"/>
-    <cs:fontRef idx="minor">
-      <a:schemeClr val="tx1">
-        <a:lumMod val="65000"/>
-        <a:lumOff val="35000"/>
-      </a:schemeClr>
-    </cs:fontRef>
-    <cs:defRPr sz="1400" b="0" kern="1200" spc="0" baseline="0"/>
-  </cs:title>
-  <cs:trendline>
-    <cs:lnRef idx="0">
-      <cs:styleClr val="auto"/>
-    </cs:lnRef>
-    <cs:fillRef idx="0"/>
-    <cs:effectRef idx="0"/>
-    <cs:fontRef idx="minor">
-      <a:schemeClr val="tx1"/>
-    </cs:fontRef>
-    <cs:spPr>
-      <a:ln w="19050" cap="rnd">
-        <a:solidFill>
-          <a:schemeClr val="phClr"/>
-        </a:solidFill>
-        <a:prstDash val="sysDot"/>
-      </a:ln>
-    </cs:spPr>
-  </cs:trendline>
-  <cs:trendlineLabel>
-    <cs:lnRef idx="0"/>
-    <cs:fillRef idx="0"/>
-    <cs:effectRef idx="0"/>
-    <cs:fontRef idx="minor">
-      <a:schemeClr val="tx1">
-        <a:lumMod val="65000"/>
-        <a:lumOff val="35000"/>
-      </a:schemeClr>
-    </cs:fontRef>
-    <cs:defRPr sz="900" kern="1200"/>
-  </cs:trendlineLabel>
-  <cs:upBar>
-    <cs:lnRef idx="0"/>
-    <cs:fillRef idx="0"/>
-    <cs:effectRef idx="0"/>
-    <cs:fontRef idx="minor">
-      <a:schemeClr val="dk1"/>
-    </cs:fontRef>
-    <cs:spPr>
-      <a:solidFill>
-        <a:schemeClr val="lt1"/>
-      </a:solidFill>
-      <a:ln w="9525">
-        <a:solidFill>
-          <a:schemeClr val="tx1">
-            <a:lumMod val="15000"/>
-            <a:lumOff val="85000"/>
-          </a:schemeClr>
-        </a:solidFill>
-      </a:ln>
-    </cs:spPr>
-  </cs:upBar>
-  <cs:valueAxis>
-    <cs:lnRef idx="0"/>
-    <cs:fillRef idx="0"/>
-    <cs:effectRef idx="0"/>
-    <cs:fontRef idx="minor">
-      <a:schemeClr val="tx1">
-        <a:lumMod val="65000"/>
-        <a:lumOff val="35000"/>
-      </a:schemeClr>
-    </cs:fontRef>
-    <cs:defRPr sz="900" kern="1200"/>
-  </cs:valueAxis>
-  <cs:wall>
-    <cs:lnRef idx="0"/>
-    <cs:fillRef idx="0"/>
-    <cs:effectRef idx="0"/>
-    <cs:fontRef idx="minor">
-      <a:schemeClr val="tx1"/>
-    </cs:fontRef>
-    <cs:spPr>
-      <a:noFill/>
-      <a:ln>
-        <a:noFill/>
-      </a:ln>
-    </cs:spPr>
-  </cs:wall>
-</cs:chartStyle>
+        <a:latin typeface="+mn-lt"/>
+        <a:ea typeface="+mn-ea"/>
+        <a:cs typeface="+mn-cs"/>
+      </a:defRPr>
+    </a:lvl9pPr>
+  </p:notesStyle>
+</p:notesMaster>
+</file>
+
+<file path=ppt/notesSlides/notesSlide1.xml><?xml version="1.0" encoding="utf-8"?>
+<p:notes xmlns:a="http://schemas.openxmlformats.org/drawingml/2006/main" xmlns:r="http://schemas.openxmlformats.org/officeDocument/2006/relationships" xmlns:p="http://schemas.openxmlformats.org/presentationml/2006/main">
+  <p:cSld>
+    <p:spTree>
+      <p:nvGrpSpPr>
+        <p:cNvPr id="1" name=""/>
+        <p:cNvGrpSpPr/>
+        <p:nvPr/>
+      </p:nvGrpSpPr>
+      <p:grpSpPr>
+        <a:xfrm>
+          <a:off x="0" y="0"/>
+          <a:ext cx="0" cy="0"/>
+          <a:chOff x="0" y="0"/>
+          <a:chExt cx="0" cy="0"/>
+        </a:xfrm>
+      </p:grpSpPr>
+      <p:sp>
+        <p:nvSpPr>
+          <p:cNvPr id="2" name="Slide Image Placeholder 1"/>
+          <p:cNvSpPr>
+            <a:spLocks noGrp="1" noRot="1" noChangeAspect="1"/>
+          </p:cNvSpPr>
+          <p:nvPr>
+            <p:ph type="sldImg"/>
+          </p:nvPr>
+        </p:nvSpPr>
+        <p:spPr/>
+      </p:sp>
+      <p:sp>
+        <p:nvSpPr>
+          <p:cNvPr id="3" name="Notes Placeholder 2"/>
+          <p:cNvSpPr>
+            <a:spLocks noGrp="1"/>
+          </p:cNvSpPr>
+          <p:nvPr>
+            <p:ph type="body" idx="1"/>
+          </p:nvPr>
+        </p:nvSpPr>
+        <p:spPr/>
+        <p:txBody>
+          <a:bodyPr/>
+          <a:lstStyle/>
+          <a:p>
+            <a:pPr marL="0" marR="0" lvl="1" indent="0" algn="l" defTabSz="914400" rtl="0" eaLnBrk="1" fontAlgn="auto" latinLnBrk="0" hangingPunct="1">
+              <a:lnSpc>
+                <a:spcPct val="100000"/>
+              </a:lnSpc>
+              <a:spcBef>
+                <a:spcPts val="0"/>
+              </a:spcBef>
+              <a:spcAft>
+                <a:spcPts val="0"/>
+              </a:spcAft>
+              <a:buClrTx/>
+              <a:buSzTx/>
+              <a:buFontTx/>
+              <a:buNone/>
+              <a:tabLst/>
+              <a:defRPr/>
+            </a:pPr>
+            <a:r>
+              <a:rPr lang="en-US" dirty="0" smtClean="0"/>
+              <a:t>1. </a:t>
+            </a:r>
+            <a:r>
+              <a:rPr lang="en-US" dirty="0" smtClean="0"/>
+              <a:t>RDBMS don’t perform very well on graph data due</a:t>
+            </a:r>
+            <a:r>
+              <a:rPr lang="en-US" baseline="0" dirty="0" smtClean="0"/>
+              <a:t> to expensive joins</a:t>
+            </a:r>
+            <a:endParaRPr lang="en-US" dirty="0" smtClean="0"/>
+          </a:p>
+          <a:p>
+            <a:pPr marL="0" indent="0">
+              <a:buNone/>
+            </a:pPr>
+            <a:r>
+              <a:rPr lang="en-US" dirty="0" smtClean="0"/>
+              <a:t>2. Other</a:t>
+            </a:r>
+            <a:r>
+              <a:rPr lang="en-US" baseline="0" dirty="0" smtClean="0"/>
+              <a:t> graph DBs don’t store data natively – they serialize into RD, causes performance hit</a:t>
+            </a:r>
+            <a:endParaRPr lang="en-US" dirty="0"/>
+          </a:p>
+        </p:txBody>
+      </p:sp>
+      <p:sp>
+        <p:nvSpPr>
+          <p:cNvPr id="4" name="Slide Number Placeholder 3"/>
+          <p:cNvSpPr>
+            <a:spLocks noGrp="1"/>
+          </p:cNvSpPr>
+          <p:nvPr>
+            <p:ph type="sldNum" sz="quarter" idx="10"/>
+          </p:nvPr>
+        </p:nvSpPr>
+        <p:spPr/>
+        <p:txBody>
+          <a:bodyPr/>
+          <a:lstStyle/>
+          <a:p>
+            <a:fld id="{EEF425B4-61C6-4ED2-93CF-D4CCC7CFDE91}" type="slidenum">
+              <a:rPr lang="en-US" smtClean="0"/>
+              <a:t>2</a:t>
+            </a:fld>
+            <a:endParaRPr lang="en-US"/>
+          </a:p>
+        </p:txBody>
+      </p:sp>
+    </p:spTree>
+    <p:extLst>
+      <p:ext uri="{BB962C8B-B14F-4D97-AF65-F5344CB8AC3E}">
+        <p14:creationId xmlns:p14="http://schemas.microsoft.com/office/powerpoint/2010/main" val="409247897"/>
+      </p:ext>
+    </p:extLst>
+  </p:cSld>
+  <p:clrMapOvr>
+    <a:masterClrMapping/>
+  </p:clrMapOvr>
+</p:notes>
+</file>
+
+<file path=ppt/notesSlides/notesSlide2.xml><?xml version="1.0" encoding="utf-8"?>
+<p:notes xmlns:a="http://schemas.openxmlformats.org/drawingml/2006/main" xmlns:r="http://schemas.openxmlformats.org/officeDocument/2006/relationships" xmlns:p="http://schemas.openxmlformats.org/presentationml/2006/main">
+  <p:cSld>
+    <p:spTree>
+      <p:nvGrpSpPr>
+        <p:cNvPr id="1" name=""/>
+        <p:cNvGrpSpPr/>
+        <p:nvPr/>
+      </p:nvGrpSpPr>
+      <p:grpSpPr>
+        <a:xfrm>
+          <a:off x="0" y="0"/>
+          <a:ext cx="0" cy="0"/>
+          <a:chOff x="0" y="0"/>
+          <a:chExt cx="0" cy="0"/>
+        </a:xfrm>
+      </p:grpSpPr>
+      <p:sp>
+        <p:nvSpPr>
+          <p:cNvPr id="2" name="Slide Image Placeholder 1"/>
+          <p:cNvSpPr>
+            <a:spLocks noGrp="1" noRot="1" noChangeAspect="1"/>
+          </p:cNvSpPr>
+          <p:nvPr>
+            <p:ph type="sldImg"/>
+          </p:nvPr>
+        </p:nvSpPr>
+        <p:spPr/>
+      </p:sp>
+      <p:sp>
+        <p:nvSpPr>
+          <p:cNvPr id="3" name="Notes Placeholder 2"/>
+          <p:cNvSpPr>
+            <a:spLocks noGrp="1"/>
+          </p:cNvSpPr>
+          <p:nvPr>
+            <p:ph type="body" idx="1"/>
+          </p:nvPr>
+        </p:nvSpPr>
+        <p:spPr/>
+        <p:txBody>
+          <a:bodyPr/>
+          <a:lstStyle/>
+          <a:p>
+            <a:pPr marL="228600" indent="-228600">
+              <a:buAutoNum type="arabicPeriod"/>
+            </a:pPr>
+            <a:r>
+              <a:rPr lang="en-US" dirty="0" smtClean="0"/>
+              <a:t>Complex queries</a:t>
+            </a:r>
+            <a:r>
+              <a:rPr lang="en-US" baseline="0" dirty="0" smtClean="0"/>
+              <a:t> don’t work very well in Neo4j – not a very good optimizer</a:t>
+            </a:r>
+          </a:p>
+          <a:p>
+            <a:pPr marL="228600" indent="-228600">
+              <a:buAutoNum type="arabicPeriod"/>
+            </a:pPr>
+            <a:r>
+              <a:rPr lang="en-US" baseline="0" dirty="0" smtClean="0"/>
+              <a:t>Load operation includes building indexes and copying data to Neo4j</a:t>
+            </a:r>
+          </a:p>
+          <a:p>
+            <a:pPr marL="228600" indent="-228600">
+              <a:buAutoNum type="arabicPeriod"/>
+            </a:pPr>
+            <a:r>
+              <a:rPr lang="en-US" baseline="0" dirty="0" smtClean="0"/>
+              <a:t>Instead of using a socket call for each node, we bunch them together and send them to Neo4j as a batch of nodes and edges</a:t>
+            </a:r>
+          </a:p>
+          <a:p>
+            <a:pPr marL="228600" indent="-228600">
+              <a:buAutoNum type="arabicPeriod"/>
+            </a:pPr>
+            <a:endParaRPr lang="en-US" dirty="0"/>
+          </a:p>
+        </p:txBody>
+      </p:sp>
+      <p:sp>
+        <p:nvSpPr>
+          <p:cNvPr id="4" name="Slide Number Placeholder 3"/>
+          <p:cNvSpPr>
+            <a:spLocks noGrp="1"/>
+          </p:cNvSpPr>
+          <p:nvPr>
+            <p:ph type="sldNum" sz="quarter" idx="10"/>
+          </p:nvPr>
+        </p:nvSpPr>
+        <p:spPr/>
+        <p:txBody>
+          <a:bodyPr/>
+          <a:lstStyle/>
+          <a:p>
+            <a:fld id="{EEF425B4-61C6-4ED2-93CF-D4CCC7CFDE91}" type="slidenum">
+              <a:rPr lang="en-US" smtClean="0"/>
+              <a:t>4</a:t>
+            </a:fld>
+            <a:endParaRPr lang="en-US"/>
+          </a:p>
+        </p:txBody>
+      </p:sp>
+    </p:spTree>
+    <p:extLst>
+      <p:ext uri="{BB962C8B-B14F-4D97-AF65-F5344CB8AC3E}">
+        <p14:creationId xmlns:p14="http://schemas.microsoft.com/office/powerpoint/2010/main" val="3521933770"/>
+      </p:ext>
+    </p:extLst>
+  </p:cSld>
+  <p:clrMapOvr>
+    <a:masterClrMapping/>
+  </p:clrMapOvr>
+</p:notes>
+</file>
+
+<file path=ppt/notesSlides/notesSlide3.xml><?xml version="1.0" encoding="utf-8"?>
+<p:notes xmlns:a="http://schemas.openxmlformats.org/drawingml/2006/main" xmlns:r="http://schemas.openxmlformats.org/officeDocument/2006/relationships" xmlns:p="http://schemas.openxmlformats.org/presentationml/2006/main">
+  <p:cSld>
+    <p:spTree>
+      <p:nvGrpSpPr>
+        <p:cNvPr id="1" name=""/>
+        <p:cNvGrpSpPr/>
+        <p:nvPr/>
+      </p:nvGrpSpPr>
+      <p:grpSpPr>
+        <a:xfrm>
+          <a:off x="0" y="0"/>
+          <a:ext cx="0" cy="0"/>
+          <a:chOff x="0" y="0"/>
+          <a:chExt cx="0" cy="0"/>
+        </a:xfrm>
+      </p:grpSpPr>
+      <p:sp>
+        <p:nvSpPr>
+          <p:cNvPr id="2" name="Slide Image Placeholder 1"/>
+          <p:cNvSpPr>
+            <a:spLocks noGrp="1" noRot="1" noChangeAspect="1"/>
+          </p:cNvSpPr>
+          <p:nvPr>
+            <p:ph type="sldImg"/>
+          </p:nvPr>
+        </p:nvSpPr>
+        <p:spPr/>
+      </p:sp>
+      <p:sp>
+        <p:nvSpPr>
+          <p:cNvPr id="3" name="Notes Placeholder 2"/>
+          <p:cNvSpPr>
+            <a:spLocks noGrp="1"/>
+          </p:cNvSpPr>
+          <p:nvPr>
+            <p:ph type="body" idx="1"/>
+          </p:nvPr>
+        </p:nvSpPr>
+        <p:spPr/>
+        <p:txBody>
+          <a:bodyPr/>
+          <a:lstStyle/>
+          <a:p>
+            <a:pPr marL="228600" indent="-228600">
+              <a:buAutoNum type="arabicPeriod"/>
+            </a:pPr>
+            <a:r>
+              <a:rPr lang="en-US" dirty="0" smtClean="0"/>
+              <a:t>Smaller batch sizes lead to many socket requests, but if the batch size is too large, the VM system swaps</a:t>
+            </a:r>
+            <a:r>
+              <a:rPr lang="en-US" baseline="0" dirty="0" smtClean="0"/>
+              <a:t> out to disk, and this makes everything slower</a:t>
+            </a:r>
+          </a:p>
+          <a:p>
+            <a:pPr marL="228600" indent="-228600">
+              <a:buAutoNum type="arabicPeriod"/>
+            </a:pPr>
+            <a:r>
+              <a:rPr lang="en-US" baseline="0" dirty="0" smtClean="0"/>
+              <a:t>Query 1 was about finding a path with certain constraints. We found that if the constraints were loose enough, the problem devolved to a shortest path finding algorithm. Using a different approach in this case worked out well for us</a:t>
+            </a:r>
+          </a:p>
+          <a:p>
+            <a:pPr marL="228600" indent="-228600">
+              <a:buAutoNum type="arabicPeriod"/>
+            </a:pPr>
+            <a:r>
+              <a:rPr lang="en-US" baseline="0" dirty="0" smtClean="0"/>
+              <a:t>Query 3 involved finding common interests amongst people who lived in a particular place. The place could be a city, a country, or a continent. We found that tailoring our approach for each of these cases worked out well. So, we’d have one approach if the place were a continent and another approach if the place were a city</a:t>
+            </a:r>
+            <a:endParaRPr lang="en-US" dirty="0"/>
+          </a:p>
+        </p:txBody>
+      </p:sp>
+      <p:sp>
+        <p:nvSpPr>
+          <p:cNvPr id="4" name="Slide Number Placeholder 3"/>
+          <p:cNvSpPr>
+            <a:spLocks noGrp="1"/>
+          </p:cNvSpPr>
+          <p:nvPr>
+            <p:ph type="sldNum" sz="quarter" idx="10"/>
+          </p:nvPr>
+        </p:nvSpPr>
+        <p:spPr/>
+        <p:txBody>
+          <a:bodyPr/>
+          <a:lstStyle/>
+          <a:p>
+            <a:fld id="{EEF425B4-61C6-4ED2-93CF-D4CCC7CFDE91}" type="slidenum">
+              <a:rPr lang="en-US" smtClean="0"/>
+              <a:t>5</a:t>
+            </a:fld>
+            <a:endParaRPr lang="en-US"/>
+          </a:p>
+        </p:txBody>
+      </p:sp>
+    </p:spTree>
+    <p:extLst>
+      <p:ext uri="{BB962C8B-B14F-4D97-AF65-F5344CB8AC3E}">
+        <p14:creationId xmlns:p14="http://schemas.microsoft.com/office/powerpoint/2010/main" val="3923408577"/>
+      </p:ext>
+    </p:extLst>
+  </p:cSld>
+  <p:clrMapOvr>
+    <a:masterClrMapping/>
+  </p:clrMapOvr>
+</p:notes>
+</file>
+
+<file path=ppt/notesSlides/notesSlide4.xml><?xml version="1.0" encoding="utf-8"?>
+<p:notes xmlns:a="http://schemas.openxmlformats.org/drawingml/2006/main" xmlns:r="http://schemas.openxmlformats.org/officeDocument/2006/relationships" xmlns:p="http://schemas.openxmlformats.org/presentationml/2006/main">
+  <p:cSld>
+    <p:spTree>
+      <p:nvGrpSpPr>
+        <p:cNvPr id="1" name=""/>
+        <p:cNvGrpSpPr/>
+        <p:nvPr/>
+      </p:nvGrpSpPr>
+      <p:grpSpPr>
+        <a:xfrm>
+          <a:off x="0" y="0"/>
+          <a:ext cx="0" cy="0"/>
+          <a:chOff x="0" y="0"/>
+          <a:chExt cx="0" cy="0"/>
+        </a:xfrm>
+      </p:grpSpPr>
+      <p:sp>
+        <p:nvSpPr>
+          <p:cNvPr id="2" name="Slide Image Placeholder 1"/>
+          <p:cNvSpPr>
+            <a:spLocks noGrp="1" noRot="1" noChangeAspect="1"/>
+          </p:cNvSpPr>
+          <p:nvPr>
+            <p:ph type="sldImg"/>
+          </p:nvPr>
+        </p:nvSpPr>
+        <p:spPr/>
+      </p:sp>
+      <p:sp>
+        <p:nvSpPr>
+          <p:cNvPr id="3" name="Notes Placeholder 2"/>
+          <p:cNvSpPr>
+            <a:spLocks noGrp="1"/>
+          </p:cNvSpPr>
+          <p:nvPr>
+            <p:ph type="body" idx="1"/>
+          </p:nvPr>
+        </p:nvSpPr>
+        <p:spPr/>
+        <p:txBody>
+          <a:bodyPr/>
+          <a:lstStyle/>
+          <a:p>
+            <a:pPr marL="228600" indent="-228600">
+              <a:buAutoNum type="arabicPeriod"/>
+            </a:pPr>
+            <a:r>
+              <a:rPr lang="en-US" dirty="0" smtClean="0"/>
+              <a:t>Query 2 and 3, previously,</a:t>
+            </a:r>
+            <a:r>
+              <a:rPr lang="en-US" baseline="0" dirty="0" smtClean="0"/>
+              <a:t> we had to create nodes, get all the nodes, and then create edges. We were able to exploit py2neo and cut out the middle phase – we didn’t have to get the nodes again in order to create the edges</a:t>
+            </a:r>
+          </a:p>
+          <a:p>
+            <a:pPr marL="228600" indent="-228600">
+              <a:buAutoNum type="arabicPeriod"/>
+            </a:pPr>
+            <a:r>
+              <a:rPr lang="en-US" baseline="0" dirty="0" smtClean="0"/>
+              <a:t>Lazy loading - for query 1 and 4, we decided not to load much of the data until it is actually needed. In fact, for query 4, we decided to cut out the loading phase altogether – we have the option where if we need to use the same </a:t>
+            </a:r>
+            <a:r>
+              <a:rPr lang="en-US" baseline="0" dirty="0" err="1" smtClean="0"/>
+              <a:t>db</a:t>
+            </a:r>
+            <a:r>
+              <a:rPr lang="en-US" baseline="0" dirty="0" smtClean="0"/>
+              <a:t> for a lot of queries, we can actually do </a:t>
+            </a:r>
+            <a:r>
+              <a:rPr lang="en-US" baseline="0" smtClean="0"/>
+              <a:t>the complete </a:t>
+            </a:r>
+            <a:r>
+              <a:rPr lang="en-US" baseline="0" dirty="0" smtClean="0"/>
+              <a:t>loading</a:t>
+            </a:r>
+            <a:endParaRPr lang="en-US" dirty="0"/>
+          </a:p>
+        </p:txBody>
+      </p:sp>
+      <p:sp>
+        <p:nvSpPr>
+          <p:cNvPr id="4" name="Slide Number Placeholder 3"/>
+          <p:cNvSpPr>
+            <a:spLocks noGrp="1"/>
+          </p:cNvSpPr>
+          <p:nvPr>
+            <p:ph type="sldNum" sz="quarter" idx="10"/>
+          </p:nvPr>
+        </p:nvSpPr>
+        <p:spPr/>
+        <p:txBody>
+          <a:bodyPr/>
+          <a:lstStyle/>
+          <a:p>
+            <a:fld id="{EEF425B4-61C6-4ED2-93CF-D4CCC7CFDE91}" type="slidenum">
+              <a:rPr lang="en-US" smtClean="0"/>
+              <a:t>6</a:t>
+            </a:fld>
+            <a:endParaRPr lang="en-US"/>
+          </a:p>
+        </p:txBody>
+      </p:sp>
+    </p:spTree>
+    <p:extLst>
+      <p:ext uri="{BB962C8B-B14F-4D97-AF65-F5344CB8AC3E}">
+        <p14:creationId xmlns:p14="http://schemas.microsoft.com/office/powerpoint/2010/main" val="1270412817"/>
+      </p:ext>
+    </p:extLst>
+  </p:cSld>
+  <p:clrMapOvr>
+    <a:masterClrMapping/>
+  </p:clrMapOvr>
+</p:notes>
+</file>
+
+<file path=ppt/notesSlides/notesSlide5.xml><?xml version="1.0" encoding="utf-8"?>
+<p:notes xmlns:a="http://schemas.openxmlformats.org/drawingml/2006/main" xmlns:r="http://schemas.openxmlformats.org/officeDocument/2006/relationships" xmlns:p="http://schemas.openxmlformats.org/presentationml/2006/main">
+  <p:cSld>
+    <p:spTree>
+      <p:nvGrpSpPr>
+        <p:cNvPr id="1" name=""/>
+        <p:cNvGrpSpPr/>
+        <p:nvPr/>
+      </p:nvGrpSpPr>
+      <p:grpSpPr>
+        <a:xfrm>
+          <a:off x="0" y="0"/>
+          <a:ext cx="0" cy="0"/>
+          <a:chOff x="0" y="0"/>
+          <a:chExt cx="0" cy="0"/>
+        </a:xfrm>
+      </p:grpSpPr>
+      <p:sp>
+        <p:nvSpPr>
+          <p:cNvPr id="2" name="Slide Image Placeholder 1"/>
+          <p:cNvSpPr>
+            <a:spLocks noGrp="1" noRot="1" noChangeAspect="1"/>
+          </p:cNvSpPr>
+          <p:nvPr>
+            <p:ph type="sldImg"/>
+          </p:nvPr>
+        </p:nvSpPr>
+        <p:spPr/>
+      </p:sp>
+      <p:sp>
+        <p:nvSpPr>
+          <p:cNvPr id="3" name="Notes Placeholder 2"/>
+          <p:cNvSpPr>
+            <a:spLocks noGrp="1"/>
+          </p:cNvSpPr>
+          <p:nvPr>
+            <p:ph type="body" idx="1"/>
+          </p:nvPr>
+        </p:nvSpPr>
+        <p:spPr/>
+        <p:txBody>
+          <a:bodyPr/>
+          <a:lstStyle/>
+          <a:p>
+            <a:endParaRPr lang="en-US" dirty="0"/>
+          </a:p>
+        </p:txBody>
+      </p:sp>
+      <p:sp>
+        <p:nvSpPr>
+          <p:cNvPr id="4" name="Slide Number Placeholder 3"/>
+          <p:cNvSpPr>
+            <a:spLocks noGrp="1"/>
+          </p:cNvSpPr>
+          <p:nvPr>
+            <p:ph type="sldNum" sz="quarter" idx="10"/>
+          </p:nvPr>
+        </p:nvSpPr>
+        <p:spPr/>
+        <p:txBody>
+          <a:bodyPr/>
+          <a:lstStyle/>
+          <a:p>
+            <a:fld id="{EEF425B4-61C6-4ED2-93CF-D4CCC7CFDE91}" type="slidenum">
+              <a:rPr lang="en-US" smtClean="0"/>
+              <a:t>7</a:t>
+            </a:fld>
+            <a:endParaRPr lang="en-US"/>
+          </a:p>
+        </p:txBody>
+      </p:sp>
+    </p:spTree>
+    <p:extLst>
+      <p:ext uri="{BB962C8B-B14F-4D97-AF65-F5344CB8AC3E}">
+        <p14:creationId xmlns:p14="http://schemas.microsoft.com/office/powerpoint/2010/main" val="665076157"/>
+      </p:ext>
+    </p:extLst>
+  </p:cSld>
+  <p:clrMapOvr>
+    <a:masterClrMapping/>
+  </p:clrMapOvr>
+</p:notes>
+</file>
+
+<file path=ppt/notesSlides/notesSlide6.xml><?xml version="1.0" encoding="utf-8"?>
+<p:notes xmlns:a="http://schemas.openxmlformats.org/drawingml/2006/main" xmlns:r="http://schemas.openxmlformats.org/officeDocument/2006/relationships" xmlns:p="http://schemas.openxmlformats.org/presentationml/2006/main">
+  <p:cSld>
+    <p:spTree>
+      <p:nvGrpSpPr>
+        <p:cNvPr id="1" name=""/>
+        <p:cNvGrpSpPr/>
+        <p:nvPr/>
+      </p:nvGrpSpPr>
+      <p:grpSpPr>
+        <a:xfrm>
+          <a:off x="0" y="0"/>
+          <a:ext cx="0" cy="0"/>
+          <a:chOff x="0" y="0"/>
+          <a:chExt cx="0" cy="0"/>
+        </a:xfrm>
+      </p:grpSpPr>
+      <p:sp>
+        <p:nvSpPr>
+          <p:cNvPr id="2" name="Slide Image Placeholder 1"/>
+          <p:cNvSpPr>
+            <a:spLocks noGrp="1" noRot="1" noChangeAspect="1"/>
+          </p:cNvSpPr>
+          <p:nvPr>
+            <p:ph type="sldImg"/>
+          </p:nvPr>
+        </p:nvSpPr>
+        <p:spPr/>
+      </p:sp>
+      <p:sp>
+        <p:nvSpPr>
+          <p:cNvPr id="3" name="Notes Placeholder 2"/>
+          <p:cNvSpPr>
+            <a:spLocks noGrp="1"/>
+          </p:cNvSpPr>
+          <p:nvPr>
+            <p:ph type="body" idx="1"/>
+          </p:nvPr>
+        </p:nvSpPr>
+        <p:spPr/>
+        <p:txBody>
+          <a:bodyPr/>
+          <a:lstStyle/>
+          <a:p>
+            <a:endParaRPr lang="en-US" dirty="0"/>
+          </a:p>
+        </p:txBody>
+      </p:sp>
+      <p:sp>
+        <p:nvSpPr>
+          <p:cNvPr id="4" name="Slide Number Placeholder 3"/>
+          <p:cNvSpPr>
+            <a:spLocks noGrp="1"/>
+          </p:cNvSpPr>
+          <p:nvPr>
+            <p:ph type="sldNum" sz="quarter" idx="10"/>
+          </p:nvPr>
+        </p:nvSpPr>
+        <p:spPr/>
+        <p:txBody>
+          <a:bodyPr/>
+          <a:lstStyle/>
+          <a:p>
+            <a:fld id="{EEF425B4-61C6-4ED2-93CF-D4CCC7CFDE91}" type="slidenum">
+              <a:rPr lang="en-US" smtClean="0"/>
+              <a:t>8</a:t>
+            </a:fld>
+            <a:endParaRPr lang="en-US"/>
+          </a:p>
+        </p:txBody>
+      </p:sp>
+    </p:spTree>
+    <p:extLst>
+      <p:ext uri="{BB962C8B-B14F-4D97-AF65-F5344CB8AC3E}">
+        <p14:creationId xmlns:p14="http://schemas.microsoft.com/office/powerpoint/2010/main" val="431971143"/>
+      </p:ext>
+    </p:extLst>
+  </p:cSld>
+  <p:clrMapOvr>
+    <a:masterClrMapping/>
+  </p:clrMapOvr>
+</p:notes>
 </file>
 
 <file path=ppt/slideLayouts/slideLayout1.xml><?xml version="1.0" encoding="utf-8"?>
@@ -9460,6 +9674,93 @@
   <p:clrMapOvr>
     <a:masterClrMapping/>
   </p:clrMapOvr>
+  <mc:AlternateContent xmlns:mc="http://schemas.openxmlformats.org/markup-compatibility/2006">
+    <mc:Choice xmlns:p14="http://schemas.microsoft.com/office/powerpoint/2010/main" Requires="p14">
+      <p:transition spd="slow" p14:dur="2000" advTm="7465"/>
+    </mc:Choice>
+    <mc:Fallback>
+      <p:transition spd="slow" advTm="7465"/>
+    </mc:Fallback>
+  </mc:AlternateContent>
+  <p:timing>
+    <p:tnLst>
+      <p:par>
+        <p:cTn id="1" dur="indefinite" restart="never" nodeType="tmRoot"/>
+      </p:par>
+    </p:tnLst>
+  </p:timing>
+</p:sld>
+</file>
+
+<file path=ppt/slides/slide10.xml><?xml version="1.0" encoding="utf-8"?>
+<p:sld xmlns:a="http://schemas.openxmlformats.org/drawingml/2006/main" xmlns:r="http://schemas.openxmlformats.org/officeDocument/2006/relationships" xmlns:p="http://schemas.openxmlformats.org/presentationml/2006/main">
+  <p:cSld>
+    <p:spTree>
+      <p:nvGrpSpPr>
+        <p:cNvPr id="1" name=""/>
+        <p:cNvGrpSpPr/>
+        <p:nvPr/>
+      </p:nvGrpSpPr>
+      <p:grpSpPr>
+        <a:xfrm>
+          <a:off x="0" y="0"/>
+          <a:ext cx="0" cy="0"/>
+          <a:chOff x="0" y="0"/>
+          <a:chExt cx="0" cy="0"/>
+        </a:xfrm>
+      </p:grpSpPr>
+      <p:sp>
+        <p:nvSpPr>
+          <p:cNvPr id="2" name="Title 1"/>
+          <p:cNvSpPr>
+            <a:spLocks noGrp="1"/>
+          </p:cNvSpPr>
+          <p:nvPr>
+            <p:ph type="title"/>
+          </p:nvPr>
+        </p:nvSpPr>
+        <p:spPr/>
+        <p:txBody>
+          <a:bodyPr/>
+          <a:lstStyle/>
+          <a:p>
+            <a:r>
+              <a:rPr lang="en-US" dirty="0" smtClean="0"/>
+              <a:t>Questions</a:t>
+            </a:r>
+            <a:endParaRPr lang="en-US" dirty="0"/>
+          </a:p>
+        </p:txBody>
+      </p:sp>
+      <p:sp>
+        <p:nvSpPr>
+          <p:cNvPr id="3" name="Content Placeholder 2"/>
+          <p:cNvSpPr>
+            <a:spLocks noGrp="1"/>
+          </p:cNvSpPr>
+          <p:nvPr>
+            <p:ph idx="1"/>
+          </p:nvPr>
+        </p:nvSpPr>
+        <p:spPr/>
+        <p:txBody>
+          <a:bodyPr/>
+          <a:lstStyle/>
+          <a:p>
+            <a:endParaRPr lang="en-US"/>
+          </a:p>
+        </p:txBody>
+      </p:sp>
+    </p:spTree>
+    <p:extLst>
+      <p:ext uri="{BB962C8B-B14F-4D97-AF65-F5344CB8AC3E}">
+        <p14:creationId xmlns:p14="http://schemas.microsoft.com/office/powerpoint/2010/main" val="1776725122"/>
+      </p:ext>
+    </p:extLst>
+  </p:cSld>
+  <p:clrMapOvr>
+    <a:masterClrMapping/>
+  </p:clrMapOvr>
   <p:timing>
     <p:tnLst>
       <p:par>
@@ -9527,7 +9828,11 @@
           <a:p>
             <a:r>
               <a:rPr lang="en-US" dirty="0" smtClean="0"/>
-              <a:t>Graph Database</a:t>
+              <a:t>Graph </a:t>
+            </a:r>
+            <a:r>
+              <a:rPr lang="en-US" dirty="0" smtClean="0"/>
+              <a:t>Database</a:t>
             </a:r>
           </a:p>
           <a:p>
@@ -9545,12 +9850,42 @@
           <a:p>
             <a:r>
               <a:rPr lang="en-US" dirty="0" smtClean="0"/>
-              <a:t>Excellent API support</a:t>
+              <a:t>Excellent, well-evolved APIs</a:t>
             </a:r>
             <a:endParaRPr lang="en-US" dirty="0"/>
           </a:p>
         </p:txBody>
       </p:sp>
+      <p:pic>
+        <p:nvPicPr>
+          <p:cNvPr id="5" name="Picture 4"/>
+          <p:cNvPicPr>
+            <a:picLocks noChangeAspect="1"/>
+          </p:cNvPicPr>
+          <p:nvPr/>
+        </p:nvPicPr>
+        <p:blipFill>
+          <a:blip r:embed="rId3">
+            <a:extLst>
+              <a:ext uri="{28A0092B-C50C-407E-A947-70E740481C1C}">
+                <a14:useLocalDpi xmlns:a14="http://schemas.microsoft.com/office/drawing/2010/main" val="0"/>
+              </a:ext>
+            </a:extLst>
+          </a:blip>
+          <a:stretch>
+            <a:fillRect/>
+          </a:stretch>
+        </p:blipFill>
+        <p:spPr>
+          <a:xfrm>
+            <a:off x="5584969" y="1623378"/>
+            <a:ext cx="6315956" cy="4553585"/>
+          </a:xfrm>
+          <a:prstGeom prst="rect">
+            <a:avLst/>
+          </a:prstGeom>
+        </p:spPr>
+      </p:pic>
     </p:spTree>
     <p:extLst>
       <p:ext uri="{BB962C8B-B14F-4D97-AF65-F5344CB8AC3E}">
@@ -9561,6 +9896,14 @@
   <p:clrMapOvr>
     <a:masterClrMapping/>
   </p:clrMapOvr>
+  <mc:AlternateContent xmlns:mc="http://schemas.openxmlformats.org/markup-compatibility/2006">
+    <mc:Choice xmlns:p14="http://schemas.microsoft.com/office/powerpoint/2010/main" Requires="p14">
+      <p:transition spd="slow" p14:dur="2000" advTm="84490"/>
+    </mc:Choice>
+    <mc:Fallback>
+      <p:transition spd="slow" advTm="84490"/>
+    </mc:Fallback>
+  </mc:AlternateContent>
   <p:timing>
     <p:tnLst>
       <p:par>
@@ -9628,8 +9971,17 @@
           <a:p>
             <a:r>
               <a:rPr lang="en-US" dirty="0" smtClean="0"/>
-              <a:t>Python library</a:t>
+              <a:t>Python </a:t>
             </a:r>
+            <a:r>
+              <a:rPr lang="en-US" dirty="0" smtClean="0"/>
+              <a:t>library fo</a:t>
+            </a:r>
+            <a:r>
+              <a:rPr lang="en-US" dirty="0" smtClean="0"/>
+              <a:t>r Neo4j</a:t>
+            </a:r>
+            <a:endParaRPr lang="en-US" dirty="0" smtClean="0"/>
           </a:p>
           <a:p>
             <a:endParaRPr lang="en-US" dirty="0"/>
@@ -9670,6 +10022,14 @@
   <p:clrMapOvr>
     <a:masterClrMapping/>
   </p:clrMapOvr>
+  <mc:AlternateContent xmlns:mc="http://schemas.openxmlformats.org/markup-compatibility/2006">
+    <mc:Choice xmlns:p14="http://schemas.microsoft.com/office/powerpoint/2010/main" Requires="p14">
+      <p:transition spd="slow" p14:dur="2000" advTm="14141"/>
+    </mc:Choice>
+    <mc:Fallback>
+      <p:transition spd="slow" advTm="14141"/>
+    </mc:Fallback>
+  </mc:AlternateContent>
   <p:timing>
     <p:tnLst>
       <p:par>
@@ -9746,7 +10106,15 @@
           <a:p>
             <a:r>
               <a:rPr lang="en-US" dirty="0" smtClean="0"/>
-              <a:t>Push computation into the one-time loading phase</a:t>
+              <a:t>Push </a:t>
+            </a:r>
+            <a:r>
+              <a:rPr lang="en-US" dirty="0" smtClean="0"/>
+              <a:t>most computation </a:t>
+            </a:r>
+            <a:r>
+              <a:rPr lang="en-US" dirty="0" smtClean="0"/>
+              <a:t>into the one-time loading phase</a:t>
             </a:r>
           </a:p>
           <a:p>
@@ -9764,7 +10132,7 @@
           <a:p>
             <a:r>
               <a:rPr lang="en-US" dirty="0" smtClean="0"/>
-              <a:t>Use Neo4j mostly as a data-store</a:t>
+              <a:t>Do not depend on Neo4j optimizer (it sucks)</a:t>
             </a:r>
             <a:endParaRPr lang="en-US" dirty="0"/>
           </a:p>
@@ -9780,6 +10148,14 @@
   <p:clrMapOvr>
     <a:masterClrMapping/>
   </p:clrMapOvr>
+  <mc:AlternateContent xmlns:mc="http://schemas.openxmlformats.org/markup-compatibility/2006">
+    <mc:Choice xmlns:p14="http://schemas.microsoft.com/office/powerpoint/2010/main" Requires="p14">
+      <p:transition spd="slow" p14:dur="2000" advTm="106879"/>
+    </mc:Choice>
+    <mc:Fallback>
+      <p:transition spd="slow" advTm="106879"/>
+    </mc:Fallback>
+  </mc:AlternateContent>
   <p:timing>
     <p:tnLst>
       <p:par>
@@ -9824,7 +10200,7 @@
           <a:p>
             <a:r>
               <a:rPr lang="en-US" dirty="0" smtClean="0"/>
-              <a:t>Compromises</a:t>
+              <a:t>Optimizations</a:t>
             </a:r>
             <a:endParaRPr lang="en-US" dirty="0"/>
           </a:p>
@@ -9847,19 +10223,31 @@
           <a:p>
             <a:r>
               <a:rPr lang="en-US" dirty="0" smtClean="0"/>
-              <a:t>Pushed some of the loading into the query part</a:t>
+              <a:t>Push </a:t>
             </a:r>
-          </a:p>
-          <a:p>
-            <a:endParaRPr lang="en-US" dirty="0"/>
-          </a:p>
-          <a:p>
             <a:r>
               <a:rPr lang="en-US" dirty="0" smtClean="0"/>
-              <a:t>Had to make do with smaller batches because of memory limits</a:t>
+              <a:t>some of the loading into the query part</a:t>
             </a:r>
           </a:p>
           <a:p>
+            <a:endParaRPr lang="en-US" dirty="0"/>
+          </a:p>
+          <a:p>
+            <a:r>
+              <a:rPr lang="en-US" dirty="0" smtClean="0"/>
+              <a:t>Optimal batch size – speed vs. memory limits</a:t>
+            </a:r>
+            <a:endParaRPr lang="en-US" dirty="0" smtClean="0"/>
+          </a:p>
+          <a:p>
+            <a:endParaRPr lang="en-US" dirty="0"/>
+          </a:p>
+          <a:p>
+            <a:r>
+              <a:rPr lang="en-US" dirty="0" smtClean="0"/>
+              <a:t>Handling special cases if they are worth it</a:t>
+            </a:r>
             <a:endParaRPr lang="en-US" dirty="0"/>
           </a:p>
           <a:p>
@@ -9877,6 +10265,14 @@
   <p:clrMapOvr>
     <a:masterClrMapping/>
   </p:clrMapOvr>
+  <mc:AlternateContent xmlns:mc="http://schemas.openxmlformats.org/markup-compatibility/2006">
+    <mc:Choice xmlns:p14="http://schemas.microsoft.com/office/powerpoint/2010/main" Requires="p14">
+      <p:transition spd="slow" p14:dur="2000" advTm="159876"/>
+    </mc:Choice>
+    <mc:Fallback>
+      <p:transition spd="slow" advTm="159876"/>
+    </mc:Fallback>
+  </mc:AlternateContent>
   <p:timing>
     <p:tnLst>
       <p:par>
@@ -9921,7 +10317,7 @@
           <a:p>
             <a:r>
               <a:rPr lang="en-US" dirty="0" smtClean="0"/>
-              <a:t>Performance – Load Times</a:t>
+              <a:t>Performance – Load Times – One Time (1k)</a:t>
             </a:r>
             <a:endParaRPr lang="en-US" dirty="0"/>
           </a:p>
@@ -9942,51 +10338,31 @@
           <a:bodyPr/>
           <a:lstStyle/>
           <a:p>
-            <a:endParaRPr lang="en-US"/>
+            <a:r>
+              <a:rPr lang="en-US" dirty="0" smtClean="0"/>
+              <a:t>Time for one-time copy operation into the Neo4j database</a:t>
+            </a:r>
+            <a:endParaRPr lang="en-US" dirty="0"/>
           </a:p>
         </p:txBody>
       </p:sp>
       <p:graphicFrame>
         <p:nvGraphicFramePr>
-          <p:cNvPr id="14" name="Chart 13"/>
+          <p:cNvPr id="22" name="Chart 21"/>
           <p:cNvGraphicFramePr>
             <a:graphicFrameLocks/>
           </p:cNvGraphicFramePr>
           <p:nvPr>
             <p:extLst>
               <p:ext uri="{D42A27DB-BD31-4B8C-83A1-F6EECF244321}">
-                <p14:modId xmlns:p14="http://schemas.microsoft.com/office/powerpoint/2010/main" val="874336790"/>
+                <p14:modId xmlns:p14="http://schemas.microsoft.com/office/powerpoint/2010/main" val="1834638356"/>
               </p:ext>
             </p:extLst>
           </p:nvPr>
         </p:nvGraphicFramePr>
         <p:xfrm>
-          <a:off x="757237" y="1987086"/>
-          <a:ext cx="2657475" cy="2871788"/>
-        </p:xfrm>
-        <a:graphic>
-          <a:graphicData uri="http://schemas.openxmlformats.org/drawingml/2006/chart">
-            <c:chart xmlns:c="http://schemas.openxmlformats.org/drawingml/2006/chart" xmlns:r="http://schemas.openxmlformats.org/officeDocument/2006/relationships" r:id="rId2"/>
-          </a:graphicData>
-        </a:graphic>
-      </p:graphicFrame>
-      <p:graphicFrame>
-        <p:nvGraphicFramePr>
-          <p:cNvPr id="15" name="Chart 14"/>
-          <p:cNvGraphicFramePr>
-            <a:graphicFrameLocks/>
-          </p:cNvGraphicFramePr>
-          <p:nvPr>
-            <p:extLst>
-              <p:ext uri="{D42A27DB-BD31-4B8C-83A1-F6EECF244321}">
-                <p14:modId xmlns:p14="http://schemas.microsoft.com/office/powerpoint/2010/main" val="128205503"/>
-              </p:ext>
-            </p:extLst>
-          </p:nvPr>
-        </p:nvGraphicFramePr>
-        <p:xfrm>
-          <a:off x="3422029" y="1987085"/>
-          <a:ext cx="2669207" cy="2883829"/>
+          <a:off x="681037" y="2552296"/>
+          <a:ext cx="2714625" cy="3300413"/>
         </p:xfrm>
         <a:graphic>
           <a:graphicData uri="http://schemas.openxmlformats.org/drawingml/2006/chart">
@@ -9996,21 +10372,21 @@
       </p:graphicFrame>
       <p:graphicFrame>
         <p:nvGraphicFramePr>
-          <p:cNvPr id="16" name="Chart 15"/>
+          <p:cNvPr id="23" name="Chart 22"/>
           <p:cNvGraphicFramePr>
             <a:graphicFrameLocks/>
           </p:cNvGraphicFramePr>
           <p:nvPr>
             <p:extLst>
               <p:ext uri="{D42A27DB-BD31-4B8C-83A1-F6EECF244321}">
-                <p14:modId xmlns:p14="http://schemas.microsoft.com/office/powerpoint/2010/main" val="4189758173"/>
+                <p14:modId xmlns:p14="http://schemas.microsoft.com/office/powerpoint/2010/main" val="4294194401"/>
               </p:ext>
             </p:extLst>
           </p:nvPr>
         </p:nvGraphicFramePr>
         <p:xfrm>
-          <a:off x="6100762" y="1987085"/>
-          <a:ext cx="2657475" cy="2883829"/>
+          <a:off x="3393455" y="2552296"/>
+          <a:ext cx="2697782" cy="3319464"/>
         </p:xfrm>
         <a:graphic>
           <a:graphicData uri="http://schemas.openxmlformats.org/drawingml/2006/chart">
@@ -10020,25 +10396,49 @@
       </p:graphicFrame>
       <p:graphicFrame>
         <p:nvGraphicFramePr>
-          <p:cNvPr id="17" name="Chart 16"/>
+          <p:cNvPr id="24" name="Chart 23"/>
           <p:cNvGraphicFramePr>
             <a:graphicFrameLocks/>
           </p:cNvGraphicFramePr>
           <p:nvPr>
             <p:extLst>
               <p:ext uri="{D42A27DB-BD31-4B8C-83A1-F6EECF244321}">
-                <p14:modId xmlns:p14="http://schemas.microsoft.com/office/powerpoint/2010/main" val="1124931456"/>
+                <p14:modId xmlns:p14="http://schemas.microsoft.com/office/powerpoint/2010/main" val="48749231"/>
               </p:ext>
             </p:extLst>
           </p:nvPr>
         </p:nvGraphicFramePr>
         <p:xfrm>
-          <a:off x="8765554" y="1987085"/>
-          <a:ext cx="2669208" cy="2883829"/>
+          <a:off x="6100762" y="2552296"/>
+          <a:ext cx="2705100" cy="3328989"/>
         </p:xfrm>
         <a:graphic>
           <a:graphicData uri="http://schemas.openxmlformats.org/drawingml/2006/chart">
             <c:chart xmlns:c="http://schemas.openxmlformats.org/drawingml/2006/chart" xmlns:r="http://schemas.openxmlformats.org/officeDocument/2006/relationships" r:id="rId5"/>
+          </a:graphicData>
+        </a:graphic>
+      </p:graphicFrame>
+      <p:graphicFrame>
+        <p:nvGraphicFramePr>
+          <p:cNvPr id="25" name="Chart 24"/>
+          <p:cNvGraphicFramePr>
+            <a:graphicFrameLocks/>
+          </p:cNvGraphicFramePr>
+          <p:nvPr>
+            <p:extLst>
+              <p:ext uri="{D42A27DB-BD31-4B8C-83A1-F6EECF244321}">
+                <p14:modId xmlns:p14="http://schemas.microsoft.com/office/powerpoint/2010/main" val="1941109740"/>
+              </p:ext>
+            </p:extLst>
+          </p:nvPr>
+        </p:nvGraphicFramePr>
+        <p:xfrm>
+          <a:off x="8803654" y="2552296"/>
+          <a:ext cx="2707308" cy="3328989"/>
+        </p:xfrm>
+        <a:graphic>
+          <a:graphicData uri="http://schemas.openxmlformats.org/drawingml/2006/chart">
+            <c:chart xmlns:c="http://schemas.openxmlformats.org/drawingml/2006/chart" xmlns:r="http://schemas.openxmlformats.org/officeDocument/2006/relationships" r:id="rId6"/>
           </a:graphicData>
         </a:graphic>
       </p:graphicFrame>
@@ -10052,6 +10452,14 @@
   <p:clrMapOvr>
     <a:masterClrMapping/>
   </p:clrMapOvr>
+  <mc:AlternateContent xmlns:mc="http://schemas.openxmlformats.org/markup-compatibility/2006">
+    <mc:Choice xmlns:p14="http://schemas.microsoft.com/office/powerpoint/2010/main" Requires="p14">
+      <p:transition spd="slow" p14:dur="2000" advTm="14040"/>
+    </mc:Choice>
+    <mc:Fallback>
+      <p:transition spd="slow" advTm="14040"/>
+    </mc:Fallback>
+  </mc:AlternateContent>
   <p:timing>
     <p:tnLst>
       <p:par>
@@ -10096,7 +10504,7 @@
           <a:p>
             <a:r>
               <a:rPr lang="en-US" dirty="0" smtClean="0"/>
-              <a:t>Performance</a:t>
+              <a:t>Performance – Querying portion (1k)</a:t>
             </a:r>
             <a:endParaRPr lang="en-US" dirty="0"/>
           </a:p>
@@ -10110,7 +10518,7 @@
         </p:nvSpPr>
         <p:spPr>
           <a:xfrm>
-            <a:off x="2251884" y="5459103"/>
+            <a:off x="2413946" y="1286627"/>
             <a:ext cx="1487606" cy="369332"/>
           </a:xfrm>
           <a:prstGeom prst="rect">
@@ -10140,7 +10548,7 @@
         </p:nvSpPr>
         <p:spPr>
           <a:xfrm>
-            <a:off x="4560628" y="5459103"/>
+            <a:off x="4608394" y="1286627"/>
             <a:ext cx="1487606" cy="369332"/>
           </a:xfrm>
           <a:prstGeom prst="rect">
@@ -10172,14 +10580,14 @@
             <p:ph idx="1"/>
             <p:extLst>
               <p:ext uri="{D42A27DB-BD31-4B8C-83A1-F6EECF244321}">
-                <p14:modId xmlns:p14="http://schemas.microsoft.com/office/powerpoint/2010/main" val="3899219717"/>
+                <p14:modId xmlns:p14="http://schemas.microsoft.com/office/powerpoint/2010/main" val="2110111760"/>
               </p:ext>
             </p:extLst>
           </p:nvPr>
         </p:nvGraphicFramePr>
         <p:xfrm>
-          <a:off x="1452350" y="1690688"/>
-          <a:ext cx="2434421" cy="3747232"/>
+          <a:off x="1662213" y="1690688"/>
+          <a:ext cx="2204879" cy="3747232"/>
         </p:xfrm>
         <a:graphic>
           <a:graphicData uri="http://schemas.openxmlformats.org/drawingml/2006/table">
@@ -10188,7 +10596,7 @@
                 <a:tableStyleId>{3C2FFA5D-87B4-456A-9821-1D502468CF0F}</a:tableStyleId>
               </a:tblPr>
               <a:tblGrid>
-                <a:gridCol w="629592"/>
+                <a:gridCol w="400050"/>
                 <a:gridCol w="996853"/>
                 <a:gridCol w="807976"/>
               </a:tblGrid>
@@ -12625,7 +13033,7 @@
         </p:nvSpPr>
         <p:spPr>
           <a:xfrm>
-            <a:off x="6710150" y="5459103"/>
+            <a:off x="6802842" y="1307707"/>
             <a:ext cx="1487606" cy="369332"/>
           </a:xfrm>
           <a:prstGeom prst="rect">
@@ -13425,7 +13833,7 @@
         </p:nvSpPr>
         <p:spPr>
           <a:xfrm>
-            <a:off x="8859672" y="5459103"/>
+            <a:off x="8997290" y="1307707"/>
             <a:ext cx="1487606" cy="369332"/>
           </a:xfrm>
           <a:prstGeom prst="rect">
@@ -13457,6 +13865,14 @@
   <p:clrMapOvr>
     <a:masterClrMapping/>
   </p:clrMapOvr>
+  <mc:AlternateContent xmlns:mc="http://schemas.openxmlformats.org/markup-compatibility/2006">
+    <mc:Choice xmlns:p14="http://schemas.microsoft.com/office/powerpoint/2010/main" Requires="p14">
+      <p:transition spd="slow" p14:dur="2000" advTm="115655"/>
+    </mc:Choice>
+    <mc:Fallback>
+      <p:transition spd="slow" advTm="115655"/>
+    </mc:Fallback>
+  </mc:AlternateContent>
   <p:timing>
     <p:tnLst>
       <p:par>
@@ -13501,27 +13917,8 @@
           <a:p>
             <a:r>
               <a:rPr lang="en-US" dirty="0" smtClean="0"/>
-              <a:t>Performance – Load Time variations</a:t>
+              <a:t>Performance – Load Time (1k vs. 10k)</a:t>
             </a:r>
-            <a:endParaRPr lang="en-US" dirty="0"/>
-          </a:p>
-        </p:txBody>
-      </p:sp>
-      <p:sp>
-        <p:nvSpPr>
-          <p:cNvPr id="3" name="Content Placeholder 2"/>
-          <p:cNvSpPr>
-            <a:spLocks noGrp="1"/>
-          </p:cNvSpPr>
-          <p:nvPr>
-            <p:ph idx="1"/>
-          </p:nvPr>
-        </p:nvSpPr>
-        <p:spPr/>
-        <p:txBody>
-          <a:bodyPr/>
-          <a:lstStyle/>
-          <a:p>
             <a:endParaRPr lang="en-US" dirty="0"/>
           </a:p>
         </p:txBody>
@@ -13535,18 +13932,18 @@
           <p:nvPr>
             <p:extLst>
               <p:ext uri="{D42A27DB-BD31-4B8C-83A1-F6EECF244321}">
-                <p14:modId xmlns:p14="http://schemas.microsoft.com/office/powerpoint/2010/main" val="489207378"/>
+                <p14:modId xmlns:p14="http://schemas.microsoft.com/office/powerpoint/2010/main" val="533440385"/>
               </p:ext>
             </p:extLst>
           </p:nvPr>
         </p:nvGraphicFramePr>
         <p:xfrm>
           <a:off x="1112044" y="2057400"/>
-          <a:ext cx="2496992" cy="2743200"/>
+          <a:ext cx="2496992" cy="3414932"/>
         </p:xfrm>
         <a:graphic>
           <a:graphicData uri="http://schemas.openxmlformats.org/drawingml/2006/chart">
-            <c:chart xmlns:c="http://schemas.openxmlformats.org/drawingml/2006/chart" xmlns:r="http://schemas.openxmlformats.org/officeDocument/2006/relationships" r:id="rId2"/>
+            <c:chart xmlns:c="http://schemas.openxmlformats.org/drawingml/2006/chart" xmlns:r="http://schemas.openxmlformats.org/officeDocument/2006/relationships" r:id="rId3"/>
           </a:graphicData>
         </a:graphic>
       </p:graphicFrame>
@@ -13559,18 +13956,18 @@
           <p:nvPr>
             <p:extLst>
               <p:ext uri="{D42A27DB-BD31-4B8C-83A1-F6EECF244321}">
-                <p14:modId xmlns:p14="http://schemas.microsoft.com/office/powerpoint/2010/main" val="1456526206"/>
+                <p14:modId xmlns:p14="http://schemas.microsoft.com/office/powerpoint/2010/main" val="3077720268"/>
               </p:ext>
             </p:extLst>
           </p:nvPr>
         </p:nvGraphicFramePr>
         <p:xfrm>
-          <a:off x="3607593" y="2057400"/>
-          <a:ext cx="2490788" cy="2743200"/>
+          <a:off x="3607593" y="2057401"/>
+          <a:ext cx="2490788" cy="3414932"/>
         </p:xfrm>
         <a:graphic>
           <a:graphicData uri="http://schemas.openxmlformats.org/drawingml/2006/chart">
-            <c:chart xmlns:c="http://schemas.openxmlformats.org/drawingml/2006/chart" xmlns:r="http://schemas.openxmlformats.org/officeDocument/2006/relationships" r:id="rId3"/>
+            <c:chart xmlns:c="http://schemas.openxmlformats.org/drawingml/2006/chart" xmlns:r="http://schemas.openxmlformats.org/officeDocument/2006/relationships" r:id="rId4"/>
           </a:graphicData>
         </a:graphic>
       </p:graphicFrame>
@@ -13583,38 +13980,14 @@
           <p:nvPr>
             <p:extLst>
               <p:ext uri="{D42A27DB-BD31-4B8C-83A1-F6EECF244321}">
-                <p14:modId xmlns:p14="http://schemas.microsoft.com/office/powerpoint/2010/main" val="57963660"/>
+                <p14:modId xmlns:p14="http://schemas.microsoft.com/office/powerpoint/2010/main" val="1704610521"/>
               </p:ext>
             </p:extLst>
           </p:nvPr>
         </p:nvGraphicFramePr>
         <p:xfrm>
           <a:off x="6103143" y="2057400"/>
-          <a:ext cx="2490788" cy="2743200"/>
-        </p:xfrm>
-        <a:graphic>
-          <a:graphicData uri="http://schemas.openxmlformats.org/drawingml/2006/chart">
-            <c:chart xmlns:c="http://schemas.openxmlformats.org/drawingml/2006/chart" xmlns:r="http://schemas.openxmlformats.org/officeDocument/2006/relationships" r:id="rId4"/>
-          </a:graphicData>
-        </a:graphic>
-      </p:graphicFrame>
-      <p:graphicFrame>
-        <p:nvGraphicFramePr>
-          <p:cNvPr id="11" name="Chart 10"/>
-          <p:cNvGraphicFramePr>
-            <a:graphicFrameLocks/>
-          </p:cNvGraphicFramePr>
-          <p:nvPr>
-            <p:extLst>
-              <p:ext uri="{D42A27DB-BD31-4B8C-83A1-F6EECF244321}">
-                <p14:modId xmlns:p14="http://schemas.microsoft.com/office/powerpoint/2010/main" val="3114551585"/>
-              </p:ext>
-            </p:extLst>
-          </p:nvPr>
-        </p:nvGraphicFramePr>
-        <p:xfrm>
-          <a:off x="8598693" y="2057400"/>
-          <a:ext cx="2481263" cy="2738438"/>
+          <a:ext cx="2490788" cy="3414932"/>
         </p:xfrm>
         <a:graphic>
           <a:graphicData uri="http://schemas.openxmlformats.org/drawingml/2006/chart">
@@ -13632,6 +14005,1369 @@
   <p:clrMapOvr>
     <a:masterClrMapping/>
   </p:clrMapOvr>
+  <mc:AlternateContent xmlns:mc="http://schemas.openxmlformats.org/markup-compatibility/2006">
+    <mc:Choice xmlns:p14="http://schemas.microsoft.com/office/powerpoint/2010/main" Requires="p14">
+      <p:transition spd="slow" p14:dur="2000" advTm="74651"/>
+    </mc:Choice>
+    <mc:Fallback>
+      <p:transition spd="slow" advTm="74651"/>
+    </mc:Fallback>
+  </mc:AlternateContent>
+  <p:timing>
+    <p:tnLst>
+      <p:par>
+        <p:cTn id="1" dur="indefinite" restart="never" nodeType="tmRoot"/>
+      </p:par>
+    </p:tnLst>
+  </p:timing>
+</p:sld>
+</file>
+
+<file path=ppt/slides/slide9.xml><?xml version="1.0" encoding="utf-8"?>
+<p:sld xmlns:a="http://schemas.openxmlformats.org/drawingml/2006/main" xmlns:r="http://schemas.openxmlformats.org/officeDocument/2006/relationships" xmlns:p="http://schemas.openxmlformats.org/presentationml/2006/main">
+  <p:cSld>
+    <p:spTree>
+      <p:nvGrpSpPr>
+        <p:cNvPr id="1" name=""/>
+        <p:cNvGrpSpPr/>
+        <p:nvPr/>
+      </p:nvGrpSpPr>
+      <p:grpSpPr>
+        <a:xfrm>
+          <a:off x="0" y="0"/>
+          <a:ext cx="0" cy="0"/>
+          <a:chOff x="0" y="0"/>
+          <a:chExt cx="0" cy="0"/>
+        </a:xfrm>
+      </p:grpSpPr>
+      <p:sp>
+        <p:nvSpPr>
+          <p:cNvPr id="2" name="Title 1"/>
+          <p:cNvSpPr>
+            <a:spLocks noGrp="1"/>
+          </p:cNvSpPr>
+          <p:nvPr>
+            <p:ph type="title"/>
+          </p:nvPr>
+        </p:nvSpPr>
+        <p:spPr/>
+        <p:txBody>
+          <a:bodyPr/>
+          <a:lstStyle/>
+          <a:p>
+            <a:r>
+              <a:rPr lang="en-US" dirty="0" smtClean="0"/>
+              <a:t>Performance – 10k set</a:t>
+            </a:r>
+            <a:endParaRPr lang="en-US" dirty="0"/>
+          </a:p>
+        </p:txBody>
+      </p:sp>
+      <p:graphicFrame>
+        <p:nvGraphicFramePr>
+          <p:cNvPr id="4" name="Content Placeholder 3"/>
+          <p:cNvGraphicFramePr>
+            <a:graphicFrameLocks noGrp="1"/>
+          </p:cNvGraphicFramePr>
+          <p:nvPr>
+            <p:ph idx="1"/>
+            <p:extLst>
+              <p:ext uri="{D42A27DB-BD31-4B8C-83A1-F6EECF244321}">
+                <p14:modId xmlns:p14="http://schemas.microsoft.com/office/powerpoint/2010/main" val="1618108084"/>
+              </p:ext>
+            </p:extLst>
+          </p:nvPr>
+        </p:nvGraphicFramePr>
+        <p:xfrm>
+          <a:off x="955343" y="2154712"/>
+          <a:ext cx="1190626" cy="1773555"/>
+        </p:xfrm>
+        <a:graphic>
+          <a:graphicData uri="http://schemas.openxmlformats.org/drawingml/2006/table">
+            <a:tbl>
+              <a:tblPr firstRow="1" firstCol="1">
+                <a:tableStyleId>{3C2FFA5D-87B4-456A-9821-1D502468CF0F}</a:tableStyleId>
+              </a:tblPr>
+              <a:tblGrid>
+                <a:gridCol w="455613"/>
+                <a:gridCol w="735013"/>
+              </a:tblGrid>
+              <a:tr h="190500">
+                <a:tc>
+                  <a:txBody>
+                    <a:bodyPr/>
+                    <a:lstStyle/>
+                    <a:p>
+                      <a:pPr algn="l" fontAlgn="b"/>
+                      <a:r>
+                        <a:rPr lang="en-US" sz="1600" u="none" strike="noStrike" dirty="0">
+                          <a:effectLst/>
+                        </a:rPr>
+                        <a:t>Case</a:t>
+                      </a:r>
+                      <a:endParaRPr lang="en-US" sz="1600" b="1" i="0" u="none" strike="noStrike" dirty="0">
+                        <a:solidFill>
+                          <a:srgbClr val="FFFFFF"/>
+                        </a:solidFill>
+                        <a:effectLst/>
+                        <a:latin typeface="Calibri" panose="020F0502020204030204" pitchFamily="34" charset="0"/>
+                      </a:endParaRPr>
+                    </a:p>
+                  </a:txBody>
+                  <a:tcPr marL="9525" marR="9525" marT="9525" marB="0" anchor="b"/>
+                </a:tc>
+                <a:tc>
+                  <a:txBody>
+                    <a:bodyPr/>
+                    <a:lstStyle/>
+                    <a:p>
+                      <a:pPr algn="l" fontAlgn="b"/>
+                      <a:r>
+                        <a:rPr lang="en-US" sz="1600" u="none" strike="noStrike">
+                          <a:effectLst/>
+                        </a:rPr>
+                        <a:t>Time</a:t>
+                      </a:r>
+                      <a:endParaRPr lang="en-US" sz="1600" b="1" i="0" u="none" strike="noStrike">
+                        <a:solidFill>
+                          <a:srgbClr val="FFFFFF"/>
+                        </a:solidFill>
+                        <a:effectLst/>
+                        <a:latin typeface="Calibri" panose="020F0502020204030204" pitchFamily="34" charset="0"/>
+                      </a:endParaRPr>
+                    </a:p>
+                  </a:txBody>
+                  <a:tcPr marL="9525" marR="9525" marT="9525" marB="0" anchor="b"/>
+                </a:tc>
+              </a:tr>
+              <a:tr h="190500">
+                <a:tc>
+                  <a:txBody>
+                    <a:bodyPr/>
+                    <a:lstStyle/>
+                    <a:p>
+                      <a:pPr algn="r" fontAlgn="b"/>
+                      <a:r>
+                        <a:rPr lang="en-US" sz="1600" u="none" strike="noStrike" dirty="0">
+                          <a:effectLst/>
+                        </a:rPr>
+                        <a:t>1</a:t>
+                      </a:r>
+                      <a:endParaRPr lang="en-US" sz="1600" b="0" i="0" u="none" strike="noStrike" dirty="0">
+                        <a:solidFill>
+                          <a:srgbClr val="000000"/>
+                        </a:solidFill>
+                        <a:effectLst/>
+                        <a:latin typeface="Calibri" panose="020F0502020204030204" pitchFamily="34" charset="0"/>
+                      </a:endParaRPr>
+                    </a:p>
+                  </a:txBody>
+                  <a:tcPr marL="9525" marR="9525" marT="9525" marB="0" anchor="b"/>
+                </a:tc>
+                <a:tc>
+                  <a:txBody>
+                    <a:bodyPr/>
+                    <a:lstStyle/>
+                    <a:p>
+                      <a:pPr algn="r" fontAlgn="b"/>
+                      <a:r>
+                        <a:rPr lang="en-US" sz="1600" u="none" strike="noStrike">
+                          <a:effectLst/>
+                        </a:rPr>
+                        <a:t>1.101</a:t>
+                      </a:r>
+                      <a:endParaRPr lang="en-US" sz="1600" b="0" i="0" u="none" strike="noStrike">
+                        <a:solidFill>
+                          <a:srgbClr val="000000"/>
+                        </a:solidFill>
+                        <a:effectLst/>
+                        <a:latin typeface="Calibri" panose="020F0502020204030204" pitchFamily="34" charset="0"/>
+                      </a:endParaRPr>
+                    </a:p>
+                  </a:txBody>
+                  <a:tcPr marL="9525" marR="9525" marT="9525" marB="0" anchor="b"/>
+                </a:tc>
+              </a:tr>
+              <a:tr h="190500">
+                <a:tc>
+                  <a:txBody>
+                    <a:bodyPr/>
+                    <a:lstStyle/>
+                    <a:p>
+                      <a:pPr algn="r" fontAlgn="b"/>
+                      <a:r>
+                        <a:rPr lang="en-US" sz="1600" u="none" strike="noStrike">
+                          <a:effectLst/>
+                        </a:rPr>
+                        <a:t>2</a:t>
+                      </a:r>
+                      <a:endParaRPr lang="en-US" sz="1600" b="0" i="0" u="none" strike="noStrike">
+                        <a:solidFill>
+                          <a:srgbClr val="000000"/>
+                        </a:solidFill>
+                        <a:effectLst/>
+                        <a:latin typeface="Calibri" panose="020F0502020204030204" pitchFamily="34" charset="0"/>
+                      </a:endParaRPr>
+                    </a:p>
+                  </a:txBody>
+                  <a:tcPr marL="9525" marR="9525" marT="9525" marB="0" anchor="b"/>
+                </a:tc>
+                <a:tc>
+                  <a:txBody>
+                    <a:bodyPr/>
+                    <a:lstStyle/>
+                    <a:p>
+                      <a:pPr algn="r" fontAlgn="b"/>
+                      <a:r>
+                        <a:rPr lang="en-US" sz="1600" u="none" strike="noStrike">
+                          <a:effectLst/>
+                        </a:rPr>
+                        <a:t>164.763</a:t>
+                      </a:r>
+                      <a:endParaRPr lang="en-US" sz="1600" b="0" i="0" u="none" strike="noStrike">
+                        <a:solidFill>
+                          <a:srgbClr val="000000"/>
+                        </a:solidFill>
+                        <a:effectLst/>
+                        <a:latin typeface="Calibri" panose="020F0502020204030204" pitchFamily="34" charset="0"/>
+                      </a:endParaRPr>
+                    </a:p>
+                  </a:txBody>
+                  <a:tcPr marL="9525" marR="9525" marT="9525" marB="0" anchor="b"/>
+                </a:tc>
+              </a:tr>
+              <a:tr h="190500">
+                <a:tc>
+                  <a:txBody>
+                    <a:bodyPr/>
+                    <a:lstStyle/>
+                    <a:p>
+                      <a:pPr algn="r" fontAlgn="b"/>
+                      <a:r>
+                        <a:rPr lang="en-US" sz="1600" u="none" strike="noStrike">
+                          <a:effectLst/>
+                        </a:rPr>
+                        <a:t>3</a:t>
+                      </a:r>
+                      <a:endParaRPr lang="en-US" sz="1600" b="0" i="0" u="none" strike="noStrike">
+                        <a:solidFill>
+                          <a:srgbClr val="000000"/>
+                        </a:solidFill>
+                        <a:effectLst/>
+                        <a:latin typeface="Calibri" panose="020F0502020204030204" pitchFamily="34" charset="0"/>
+                      </a:endParaRPr>
+                    </a:p>
+                  </a:txBody>
+                  <a:tcPr marL="9525" marR="9525" marT="9525" marB="0" anchor="b"/>
+                </a:tc>
+                <a:tc>
+                  <a:txBody>
+                    <a:bodyPr/>
+                    <a:lstStyle/>
+                    <a:p>
+                      <a:pPr algn="r" fontAlgn="b"/>
+                      <a:r>
+                        <a:rPr lang="en-US" sz="1600" u="none" strike="noStrike" dirty="0">
+                          <a:effectLst/>
+                        </a:rPr>
+                        <a:t>0.029</a:t>
+                      </a:r>
+                      <a:endParaRPr lang="en-US" sz="1600" b="0" i="0" u="none" strike="noStrike" dirty="0">
+                        <a:solidFill>
+                          <a:srgbClr val="000000"/>
+                        </a:solidFill>
+                        <a:effectLst/>
+                        <a:latin typeface="Calibri" panose="020F0502020204030204" pitchFamily="34" charset="0"/>
+                      </a:endParaRPr>
+                    </a:p>
+                  </a:txBody>
+                  <a:tcPr marL="9525" marR="9525" marT="9525" marB="0" anchor="b"/>
+                </a:tc>
+              </a:tr>
+              <a:tr h="190500">
+                <a:tc>
+                  <a:txBody>
+                    <a:bodyPr/>
+                    <a:lstStyle/>
+                    <a:p>
+                      <a:pPr algn="r" fontAlgn="b"/>
+                      <a:r>
+                        <a:rPr lang="en-US" sz="1600" u="none" strike="noStrike">
+                          <a:effectLst/>
+                        </a:rPr>
+                        <a:t>4</a:t>
+                      </a:r>
+                      <a:endParaRPr lang="en-US" sz="1600" b="0" i="0" u="none" strike="noStrike">
+                        <a:solidFill>
+                          <a:srgbClr val="000000"/>
+                        </a:solidFill>
+                        <a:effectLst/>
+                        <a:latin typeface="Calibri" panose="020F0502020204030204" pitchFamily="34" charset="0"/>
+                      </a:endParaRPr>
+                    </a:p>
+                  </a:txBody>
+                  <a:tcPr marL="9525" marR="9525" marT="9525" marB="0" anchor="b"/>
+                </a:tc>
+                <a:tc>
+                  <a:txBody>
+                    <a:bodyPr/>
+                    <a:lstStyle/>
+                    <a:p>
+                      <a:pPr algn="r" fontAlgn="b"/>
+                      <a:r>
+                        <a:rPr lang="en-US" sz="1600" u="none" strike="noStrike">
+                          <a:effectLst/>
+                        </a:rPr>
+                        <a:t>0.044</a:t>
+                      </a:r>
+                      <a:endParaRPr lang="en-US" sz="1600" b="0" i="0" u="none" strike="noStrike">
+                        <a:solidFill>
+                          <a:srgbClr val="000000"/>
+                        </a:solidFill>
+                        <a:effectLst/>
+                        <a:latin typeface="Calibri" panose="020F0502020204030204" pitchFamily="34" charset="0"/>
+                      </a:endParaRPr>
+                    </a:p>
+                  </a:txBody>
+                  <a:tcPr marL="9525" marR="9525" marT="9525" marB="0" anchor="b"/>
+                </a:tc>
+              </a:tr>
+              <a:tr h="190500">
+                <a:tc>
+                  <a:txBody>
+                    <a:bodyPr/>
+                    <a:lstStyle/>
+                    <a:p>
+                      <a:pPr algn="r" fontAlgn="b"/>
+                      <a:r>
+                        <a:rPr lang="en-US" sz="1600" u="none" strike="noStrike">
+                          <a:effectLst/>
+                        </a:rPr>
+                        <a:t>5</a:t>
+                      </a:r>
+                      <a:endParaRPr lang="en-US" sz="1600" b="0" i="0" u="none" strike="noStrike">
+                        <a:solidFill>
+                          <a:srgbClr val="000000"/>
+                        </a:solidFill>
+                        <a:effectLst/>
+                        <a:latin typeface="Calibri" panose="020F0502020204030204" pitchFamily="34" charset="0"/>
+                      </a:endParaRPr>
+                    </a:p>
+                  </a:txBody>
+                  <a:tcPr marL="9525" marR="9525" marT="9525" marB="0" anchor="b"/>
+                </a:tc>
+                <a:tc>
+                  <a:txBody>
+                    <a:bodyPr/>
+                    <a:lstStyle/>
+                    <a:p>
+                      <a:pPr algn="r" fontAlgn="b"/>
+                      <a:r>
+                        <a:rPr lang="en-US" sz="1600" u="none" strike="noStrike">
+                          <a:effectLst/>
+                        </a:rPr>
+                        <a:t>0.364</a:t>
+                      </a:r>
+                      <a:endParaRPr lang="en-US" sz="1600" b="0" i="0" u="none" strike="noStrike">
+                        <a:solidFill>
+                          <a:srgbClr val="000000"/>
+                        </a:solidFill>
+                        <a:effectLst/>
+                        <a:latin typeface="Calibri" panose="020F0502020204030204" pitchFamily="34" charset="0"/>
+                      </a:endParaRPr>
+                    </a:p>
+                  </a:txBody>
+                  <a:tcPr marL="9525" marR="9525" marT="9525" marB="0" anchor="b"/>
+                </a:tc>
+              </a:tr>
+              <a:tr h="190500">
+                <a:tc>
+                  <a:txBody>
+                    <a:bodyPr/>
+                    <a:lstStyle/>
+                    <a:p>
+                      <a:pPr algn="r" fontAlgn="b"/>
+                      <a:r>
+                        <a:rPr lang="en-US" sz="1600" u="none" strike="noStrike">
+                          <a:effectLst/>
+                        </a:rPr>
+                        <a:t>6</a:t>
+                      </a:r>
+                      <a:endParaRPr lang="en-US" sz="1600" b="0" i="0" u="none" strike="noStrike">
+                        <a:solidFill>
+                          <a:srgbClr val="000000"/>
+                        </a:solidFill>
+                        <a:effectLst/>
+                        <a:latin typeface="Calibri" panose="020F0502020204030204" pitchFamily="34" charset="0"/>
+                      </a:endParaRPr>
+                    </a:p>
+                  </a:txBody>
+                  <a:tcPr marL="9525" marR="9525" marT="9525" marB="0" anchor="b"/>
+                </a:tc>
+                <a:tc>
+                  <a:txBody>
+                    <a:bodyPr/>
+                    <a:lstStyle/>
+                    <a:p>
+                      <a:pPr algn="r" fontAlgn="b"/>
+                      <a:r>
+                        <a:rPr lang="en-US" sz="1600" u="none" strike="noStrike" dirty="0">
+                          <a:effectLst/>
+                        </a:rPr>
+                        <a:t>0.062</a:t>
+                      </a:r>
+                      <a:endParaRPr lang="en-US" sz="1600" b="0" i="0" u="none" strike="noStrike" dirty="0">
+                        <a:solidFill>
+                          <a:srgbClr val="000000"/>
+                        </a:solidFill>
+                        <a:effectLst/>
+                        <a:latin typeface="Calibri" panose="020F0502020204030204" pitchFamily="34" charset="0"/>
+                      </a:endParaRPr>
+                    </a:p>
+                  </a:txBody>
+                  <a:tcPr marL="9525" marR="9525" marT="9525" marB="0" anchor="b"/>
+                </a:tc>
+              </a:tr>
+            </a:tbl>
+          </a:graphicData>
+        </a:graphic>
+      </p:graphicFrame>
+      <p:graphicFrame>
+        <p:nvGraphicFramePr>
+          <p:cNvPr id="5" name="Table 4"/>
+          <p:cNvGraphicFramePr>
+            <a:graphicFrameLocks noGrp="1"/>
+          </p:cNvGraphicFramePr>
+          <p:nvPr>
+            <p:extLst>
+              <p:ext uri="{D42A27DB-BD31-4B8C-83A1-F6EECF244321}">
+                <p14:modId xmlns:p14="http://schemas.microsoft.com/office/powerpoint/2010/main" val="2700653293"/>
+              </p:ext>
+            </p:extLst>
+          </p:nvPr>
+        </p:nvGraphicFramePr>
+        <p:xfrm>
+          <a:off x="2811439" y="2168360"/>
+          <a:ext cx="1190626" cy="1773555"/>
+        </p:xfrm>
+        <a:graphic>
+          <a:graphicData uri="http://schemas.openxmlformats.org/drawingml/2006/table">
+            <a:tbl>
+              <a:tblPr firstRow="1" firstCol="1">
+                <a:tableStyleId>{3C2FFA5D-87B4-456A-9821-1D502468CF0F}</a:tableStyleId>
+              </a:tblPr>
+              <a:tblGrid>
+                <a:gridCol w="455613"/>
+                <a:gridCol w="735013"/>
+              </a:tblGrid>
+              <a:tr h="190500">
+                <a:tc>
+                  <a:txBody>
+                    <a:bodyPr/>
+                    <a:lstStyle/>
+                    <a:p>
+                      <a:pPr algn="l" fontAlgn="b"/>
+                      <a:r>
+                        <a:rPr lang="en-US" sz="1600" u="none" strike="noStrike" dirty="0">
+                          <a:effectLst/>
+                        </a:rPr>
+                        <a:t>Case</a:t>
+                      </a:r>
+                      <a:endParaRPr lang="en-US" sz="1600" b="1" i="0" u="none" strike="noStrike" dirty="0">
+                        <a:solidFill>
+                          <a:srgbClr val="FFFFFF"/>
+                        </a:solidFill>
+                        <a:effectLst/>
+                        <a:latin typeface="Calibri" panose="020F0502020204030204" pitchFamily="34" charset="0"/>
+                      </a:endParaRPr>
+                    </a:p>
+                  </a:txBody>
+                  <a:tcPr marL="9525" marR="9525" marT="9525" marB="0" anchor="b"/>
+                </a:tc>
+                <a:tc>
+                  <a:txBody>
+                    <a:bodyPr/>
+                    <a:lstStyle/>
+                    <a:p>
+                      <a:pPr algn="l" fontAlgn="b"/>
+                      <a:r>
+                        <a:rPr lang="en-US" sz="1600" u="none" strike="noStrike">
+                          <a:effectLst/>
+                        </a:rPr>
+                        <a:t>Time</a:t>
+                      </a:r>
+                      <a:endParaRPr lang="en-US" sz="1600" b="1" i="0" u="none" strike="noStrike">
+                        <a:solidFill>
+                          <a:srgbClr val="FFFFFF"/>
+                        </a:solidFill>
+                        <a:effectLst/>
+                        <a:latin typeface="Calibri" panose="020F0502020204030204" pitchFamily="34" charset="0"/>
+                      </a:endParaRPr>
+                    </a:p>
+                  </a:txBody>
+                  <a:tcPr marL="9525" marR="9525" marT="9525" marB="0" anchor="b"/>
+                </a:tc>
+              </a:tr>
+              <a:tr h="190500">
+                <a:tc>
+                  <a:txBody>
+                    <a:bodyPr/>
+                    <a:lstStyle/>
+                    <a:p>
+                      <a:pPr algn="r" fontAlgn="b"/>
+                      <a:r>
+                        <a:rPr lang="en-US" sz="1600" u="none" strike="noStrike">
+                          <a:effectLst/>
+                        </a:rPr>
+                        <a:t>1</a:t>
+                      </a:r>
+                      <a:endParaRPr lang="en-US" sz="1600" b="0" i="0" u="none" strike="noStrike">
+                        <a:solidFill>
+                          <a:srgbClr val="000000"/>
+                        </a:solidFill>
+                        <a:effectLst/>
+                        <a:latin typeface="Calibri" panose="020F0502020204030204" pitchFamily="34" charset="0"/>
+                      </a:endParaRPr>
+                    </a:p>
+                  </a:txBody>
+                  <a:tcPr marL="9525" marR="9525" marT="9525" marB="0" anchor="b"/>
+                </a:tc>
+                <a:tc>
+                  <a:txBody>
+                    <a:bodyPr/>
+                    <a:lstStyle/>
+                    <a:p>
+                      <a:pPr algn="r" fontAlgn="b"/>
+                      <a:r>
+                        <a:rPr lang="en-US" sz="1600" u="none" strike="noStrike">
+                          <a:effectLst/>
+                        </a:rPr>
+                        <a:t>642.562</a:t>
+                      </a:r>
+                      <a:endParaRPr lang="en-US" sz="1600" b="0" i="0" u="none" strike="noStrike">
+                        <a:solidFill>
+                          <a:srgbClr val="000000"/>
+                        </a:solidFill>
+                        <a:effectLst/>
+                        <a:latin typeface="Calibri" panose="020F0502020204030204" pitchFamily="34" charset="0"/>
+                      </a:endParaRPr>
+                    </a:p>
+                  </a:txBody>
+                  <a:tcPr marL="9525" marR="9525" marT="9525" marB="0" anchor="b"/>
+                </a:tc>
+              </a:tr>
+              <a:tr h="190500">
+                <a:tc>
+                  <a:txBody>
+                    <a:bodyPr/>
+                    <a:lstStyle/>
+                    <a:p>
+                      <a:pPr algn="r" fontAlgn="b"/>
+                      <a:r>
+                        <a:rPr lang="en-US" sz="1600" u="none" strike="noStrike">
+                          <a:effectLst/>
+                        </a:rPr>
+                        <a:t>2</a:t>
+                      </a:r>
+                      <a:endParaRPr lang="en-US" sz="1600" b="0" i="0" u="none" strike="noStrike">
+                        <a:solidFill>
+                          <a:srgbClr val="000000"/>
+                        </a:solidFill>
+                        <a:effectLst/>
+                        <a:latin typeface="Calibri" panose="020F0502020204030204" pitchFamily="34" charset="0"/>
+                      </a:endParaRPr>
+                    </a:p>
+                  </a:txBody>
+                  <a:tcPr marL="9525" marR="9525" marT="9525" marB="0" anchor="b"/>
+                </a:tc>
+                <a:tc>
+                  <a:txBody>
+                    <a:bodyPr/>
+                    <a:lstStyle/>
+                    <a:p>
+                      <a:pPr algn="r" fontAlgn="b"/>
+                      <a:r>
+                        <a:rPr lang="en-US" sz="1600" u="none" strike="noStrike">
+                          <a:effectLst/>
+                        </a:rPr>
+                        <a:t>479.379</a:t>
+                      </a:r>
+                      <a:endParaRPr lang="en-US" sz="1600" b="0" i="0" u="none" strike="noStrike">
+                        <a:solidFill>
+                          <a:srgbClr val="000000"/>
+                        </a:solidFill>
+                        <a:effectLst/>
+                        <a:latin typeface="Calibri" panose="020F0502020204030204" pitchFamily="34" charset="0"/>
+                      </a:endParaRPr>
+                    </a:p>
+                  </a:txBody>
+                  <a:tcPr marL="9525" marR="9525" marT="9525" marB="0" anchor="b"/>
+                </a:tc>
+              </a:tr>
+              <a:tr h="190500">
+                <a:tc>
+                  <a:txBody>
+                    <a:bodyPr/>
+                    <a:lstStyle/>
+                    <a:p>
+                      <a:pPr algn="r" fontAlgn="b"/>
+                      <a:r>
+                        <a:rPr lang="en-US" sz="1600" u="none" strike="noStrike" dirty="0">
+                          <a:effectLst/>
+                        </a:rPr>
+                        <a:t>3</a:t>
+                      </a:r>
+                      <a:endParaRPr lang="en-US" sz="1600" b="0" i="0" u="none" strike="noStrike" dirty="0">
+                        <a:solidFill>
+                          <a:srgbClr val="000000"/>
+                        </a:solidFill>
+                        <a:effectLst/>
+                        <a:latin typeface="Calibri" panose="020F0502020204030204" pitchFamily="34" charset="0"/>
+                      </a:endParaRPr>
+                    </a:p>
+                  </a:txBody>
+                  <a:tcPr marL="9525" marR="9525" marT="9525" marB="0" anchor="b"/>
+                </a:tc>
+                <a:tc>
+                  <a:txBody>
+                    <a:bodyPr/>
+                    <a:lstStyle/>
+                    <a:p>
+                      <a:pPr algn="r" fontAlgn="b"/>
+                      <a:r>
+                        <a:rPr lang="en-US" sz="1600" u="none" strike="noStrike">
+                          <a:effectLst/>
+                        </a:rPr>
+                        <a:t>372.153</a:t>
+                      </a:r>
+                      <a:endParaRPr lang="en-US" sz="1600" b="0" i="0" u="none" strike="noStrike">
+                        <a:solidFill>
+                          <a:srgbClr val="000000"/>
+                        </a:solidFill>
+                        <a:effectLst/>
+                        <a:latin typeface="Calibri" panose="020F0502020204030204" pitchFamily="34" charset="0"/>
+                      </a:endParaRPr>
+                    </a:p>
+                  </a:txBody>
+                  <a:tcPr marL="9525" marR="9525" marT="9525" marB="0" anchor="b"/>
+                </a:tc>
+              </a:tr>
+              <a:tr h="190500">
+                <a:tc>
+                  <a:txBody>
+                    <a:bodyPr/>
+                    <a:lstStyle/>
+                    <a:p>
+                      <a:pPr algn="r" fontAlgn="b"/>
+                      <a:r>
+                        <a:rPr lang="en-US" sz="1600" u="none" strike="noStrike">
+                          <a:effectLst/>
+                        </a:rPr>
+                        <a:t>4</a:t>
+                      </a:r>
+                      <a:endParaRPr lang="en-US" sz="1600" b="0" i="0" u="none" strike="noStrike">
+                        <a:solidFill>
+                          <a:srgbClr val="000000"/>
+                        </a:solidFill>
+                        <a:effectLst/>
+                        <a:latin typeface="Calibri" panose="020F0502020204030204" pitchFamily="34" charset="0"/>
+                      </a:endParaRPr>
+                    </a:p>
+                  </a:txBody>
+                  <a:tcPr marL="9525" marR="9525" marT="9525" marB="0" anchor="b"/>
+                </a:tc>
+                <a:tc>
+                  <a:txBody>
+                    <a:bodyPr/>
+                    <a:lstStyle/>
+                    <a:p>
+                      <a:pPr algn="r" fontAlgn="b"/>
+                      <a:r>
+                        <a:rPr lang="en-US" sz="1600" u="none" strike="noStrike">
+                          <a:effectLst/>
+                        </a:rPr>
+                        <a:t>258.904</a:t>
+                      </a:r>
+                      <a:endParaRPr lang="en-US" sz="1600" b="0" i="0" u="none" strike="noStrike">
+                        <a:solidFill>
+                          <a:srgbClr val="000000"/>
+                        </a:solidFill>
+                        <a:effectLst/>
+                        <a:latin typeface="Calibri" panose="020F0502020204030204" pitchFamily="34" charset="0"/>
+                      </a:endParaRPr>
+                    </a:p>
+                  </a:txBody>
+                  <a:tcPr marL="9525" marR="9525" marT="9525" marB="0" anchor="b"/>
+                </a:tc>
+              </a:tr>
+              <a:tr h="190500">
+                <a:tc>
+                  <a:txBody>
+                    <a:bodyPr/>
+                    <a:lstStyle/>
+                    <a:p>
+                      <a:pPr algn="r" fontAlgn="b"/>
+                      <a:r>
+                        <a:rPr lang="en-US" sz="1600" u="none" strike="noStrike">
+                          <a:effectLst/>
+                        </a:rPr>
+                        <a:t>5</a:t>
+                      </a:r>
+                      <a:endParaRPr lang="en-US" sz="1600" b="0" i="0" u="none" strike="noStrike">
+                        <a:solidFill>
+                          <a:srgbClr val="000000"/>
+                        </a:solidFill>
+                        <a:effectLst/>
+                        <a:latin typeface="Calibri" panose="020F0502020204030204" pitchFamily="34" charset="0"/>
+                      </a:endParaRPr>
+                    </a:p>
+                  </a:txBody>
+                  <a:tcPr marL="9525" marR="9525" marT="9525" marB="0" anchor="b"/>
+                </a:tc>
+                <a:tc>
+                  <a:txBody>
+                    <a:bodyPr/>
+                    <a:lstStyle/>
+                    <a:p>
+                      <a:pPr algn="r" fontAlgn="b"/>
+                      <a:r>
+                        <a:rPr lang="en-US" sz="1600" u="none" strike="noStrike">
+                          <a:effectLst/>
+                        </a:rPr>
+                        <a:t>141.903</a:t>
+                      </a:r>
+                      <a:endParaRPr lang="en-US" sz="1600" b="0" i="0" u="none" strike="noStrike">
+                        <a:solidFill>
+                          <a:srgbClr val="000000"/>
+                        </a:solidFill>
+                        <a:effectLst/>
+                        <a:latin typeface="Calibri" panose="020F0502020204030204" pitchFamily="34" charset="0"/>
+                      </a:endParaRPr>
+                    </a:p>
+                  </a:txBody>
+                  <a:tcPr marL="9525" marR="9525" marT="9525" marB="0" anchor="b"/>
+                </a:tc>
+              </a:tr>
+              <a:tr h="190500">
+                <a:tc>
+                  <a:txBody>
+                    <a:bodyPr/>
+                    <a:lstStyle/>
+                    <a:p>
+                      <a:pPr algn="r" fontAlgn="b"/>
+                      <a:r>
+                        <a:rPr lang="en-US" sz="1600" u="none" strike="noStrike">
+                          <a:effectLst/>
+                        </a:rPr>
+                        <a:t>6</a:t>
+                      </a:r>
+                      <a:endParaRPr lang="en-US" sz="1600" b="0" i="0" u="none" strike="noStrike">
+                        <a:solidFill>
+                          <a:srgbClr val="000000"/>
+                        </a:solidFill>
+                        <a:effectLst/>
+                        <a:latin typeface="Calibri" panose="020F0502020204030204" pitchFamily="34" charset="0"/>
+                      </a:endParaRPr>
+                    </a:p>
+                  </a:txBody>
+                  <a:tcPr marL="9525" marR="9525" marT="9525" marB="0" anchor="b"/>
+                </a:tc>
+                <a:tc>
+                  <a:txBody>
+                    <a:bodyPr/>
+                    <a:lstStyle/>
+                    <a:p>
+                      <a:pPr algn="r" fontAlgn="b"/>
+                      <a:r>
+                        <a:rPr lang="en-US" sz="1600" u="none" strike="noStrike" dirty="0">
+                          <a:effectLst/>
+                        </a:rPr>
+                        <a:t>28.067</a:t>
+                      </a:r>
+                      <a:endParaRPr lang="en-US" sz="1600" b="0" i="0" u="none" strike="noStrike" dirty="0">
+                        <a:solidFill>
+                          <a:srgbClr val="000000"/>
+                        </a:solidFill>
+                        <a:effectLst/>
+                        <a:latin typeface="Calibri" panose="020F0502020204030204" pitchFamily="34" charset="0"/>
+                      </a:endParaRPr>
+                    </a:p>
+                  </a:txBody>
+                  <a:tcPr marL="9525" marR="9525" marT="9525" marB="0" anchor="b"/>
+                </a:tc>
+              </a:tr>
+            </a:tbl>
+          </a:graphicData>
+        </a:graphic>
+      </p:graphicFrame>
+      <p:graphicFrame>
+        <p:nvGraphicFramePr>
+          <p:cNvPr id="6" name="Table 5"/>
+          <p:cNvGraphicFramePr>
+            <a:graphicFrameLocks noGrp="1"/>
+          </p:cNvGraphicFramePr>
+          <p:nvPr>
+            <p:extLst>
+              <p:ext uri="{D42A27DB-BD31-4B8C-83A1-F6EECF244321}">
+                <p14:modId xmlns:p14="http://schemas.microsoft.com/office/powerpoint/2010/main" val="1936786762"/>
+              </p:ext>
+            </p:extLst>
+          </p:nvPr>
+        </p:nvGraphicFramePr>
+        <p:xfrm>
+          <a:off x="4640238" y="2168359"/>
+          <a:ext cx="1190626" cy="1013460"/>
+        </p:xfrm>
+        <a:graphic>
+          <a:graphicData uri="http://schemas.openxmlformats.org/drawingml/2006/table">
+            <a:tbl>
+              <a:tblPr firstRow="1" firstCol="1">
+                <a:tableStyleId>{3C2FFA5D-87B4-456A-9821-1D502468CF0F}</a:tableStyleId>
+              </a:tblPr>
+              <a:tblGrid>
+                <a:gridCol w="455613"/>
+                <a:gridCol w="735013"/>
+              </a:tblGrid>
+              <a:tr h="190500">
+                <a:tc>
+                  <a:txBody>
+                    <a:bodyPr/>
+                    <a:lstStyle/>
+                    <a:p>
+                      <a:pPr algn="l" fontAlgn="b"/>
+                      <a:r>
+                        <a:rPr lang="en-US" sz="1600" u="none" strike="noStrike" dirty="0">
+                          <a:effectLst/>
+                        </a:rPr>
+                        <a:t>Case</a:t>
+                      </a:r>
+                      <a:endParaRPr lang="en-US" sz="1600" b="1" i="0" u="none" strike="noStrike" dirty="0">
+                        <a:solidFill>
+                          <a:srgbClr val="FFFFFF"/>
+                        </a:solidFill>
+                        <a:effectLst/>
+                        <a:latin typeface="Calibri" panose="020F0502020204030204" pitchFamily="34" charset="0"/>
+                      </a:endParaRPr>
+                    </a:p>
+                  </a:txBody>
+                  <a:tcPr marL="9525" marR="9525" marT="9525" marB="0" anchor="b"/>
+                </a:tc>
+                <a:tc>
+                  <a:txBody>
+                    <a:bodyPr/>
+                    <a:lstStyle/>
+                    <a:p>
+                      <a:pPr algn="l" fontAlgn="b"/>
+                      <a:r>
+                        <a:rPr lang="en-US" sz="1600" u="none" strike="noStrike">
+                          <a:effectLst/>
+                        </a:rPr>
+                        <a:t>Time</a:t>
+                      </a:r>
+                      <a:endParaRPr lang="en-US" sz="1600" b="1" i="0" u="none" strike="noStrike">
+                        <a:solidFill>
+                          <a:srgbClr val="FFFFFF"/>
+                        </a:solidFill>
+                        <a:effectLst/>
+                        <a:latin typeface="Calibri" panose="020F0502020204030204" pitchFamily="34" charset="0"/>
+                      </a:endParaRPr>
+                    </a:p>
+                  </a:txBody>
+                  <a:tcPr marL="9525" marR="9525" marT="9525" marB="0" anchor="b"/>
+                </a:tc>
+              </a:tr>
+              <a:tr h="190500">
+                <a:tc>
+                  <a:txBody>
+                    <a:bodyPr/>
+                    <a:lstStyle/>
+                    <a:p>
+                      <a:pPr algn="r" fontAlgn="b"/>
+                      <a:r>
+                        <a:rPr lang="en-US" sz="1600" u="none" strike="noStrike" dirty="0">
+                          <a:effectLst/>
+                        </a:rPr>
+                        <a:t>1</a:t>
+                      </a:r>
+                      <a:endParaRPr lang="en-US" sz="1600" b="0" i="0" u="none" strike="noStrike" dirty="0">
+                        <a:solidFill>
+                          <a:srgbClr val="000000"/>
+                        </a:solidFill>
+                        <a:effectLst/>
+                        <a:latin typeface="Calibri" panose="020F0502020204030204" pitchFamily="34" charset="0"/>
+                      </a:endParaRPr>
+                    </a:p>
+                  </a:txBody>
+                  <a:tcPr marL="9525" marR="9525" marT="9525" marB="0" anchor="b"/>
+                </a:tc>
+                <a:tc>
+                  <a:txBody>
+                    <a:bodyPr/>
+                    <a:lstStyle/>
+                    <a:p>
+                      <a:pPr algn="r" fontAlgn="b"/>
+                      <a:r>
+                        <a:rPr lang="en-US" sz="1600" u="none" strike="noStrike">
+                          <a:effectLst/>
+                        </a:rPr>
+                        <a:t>335.686</a:t>
+                      </a:r>
+                      <a:endParaRPr lang="en-US" sz="1600" b="0" i="0" u="none" strike="noStrike">
+                        <a:solidFill>
+                          <a:srgbClr val="000000"/>
+                        </a:solidFill>
+                        <a:effectLst/>
+                        <a:latin typeface="Calibri" panose="020F0502020204030204" pitchFamily="34" charset="0"/>
+                      </a:endParaRPr>
+                    </a:p>
+                  </a:txBody>
+                  <a:tcPr marL="9525" marR="9525" marT="9525" marB="0" anchor="b"/>
+                </a:tc>
+              </a:tr>
+              <a:tr h="190500">
+                <a:tc>
+                  <a:txBody>
+                    <a:bodyPr/>
+                    <a:lstStyle/>
+                    <a:p>
+                      <a:pPr algn="r" fontAlgn="b"/>
+                      <a:r>
+                        <a:rPr lang="en-US" sz="1600" u="none" strike="noStrike" dirty="0">
+                          <a:effectLst/>
+                        </a:rPr>
+                        <a:t>2</a:t>
+                      </a:r>
+                      <a:endParaRPr lang="en-US" sz="1600" b="0" i="0" u="none" strike="noStrike" dirty="0">
+                        <a:solidFill>
+                          <a:srgbClr val="000000"/>
+                        </a:solidFill>
+                        <a:effectLst/>
+                        <a:latin typeface="Calibri" panose="020F0502020204030204" pitchFamily="34" charset="0"/>
+                      </a:endParaRPr>
+                    </a:p>
+                  </a:txBody>
+                  <a:tcPr marL="9525" marR="9525" marT="9525" marB="0" anchor="b"/>
+                </a:tc>
+                <a:tc>
+                  <a:txBody>
+                    <a:bodyPr/>
+                    <a:lstStyle/>
+                    <a:p>
+                      <a:pPr algn="r" fontAlgn="b"/>
+                      <a:r>
+                        <a:rPr lang="en-US" sz="1600" u="none" strike="noStrike" dirty="0">
+                          <a:effectLst/>
+                        </a:rPr>
+                        <a:t>0.184</a:t>
+                      </a:r>
+                      <a:endParaRPr lang="en-US" sz="1600" b="0" i="0" u="none" strike="noStrike" dirty="0">
+                        <a:solidFill>
+                          <a:srgbClr val="000000"/>
+                        </a:solidFill>
+                        <a:effectLst/>
+                        <a:latin typeface="Calibri" panose="020F0502020204030204" pitchFamily="34" charset="0"/>
+                      </a:endParaRPr>
+                    </a:p>
+                  </a:txBody>
+                  <a:tcPr marL="9525" marR="9525" marT="9525" marB="0" anchor="b"/>
+                </a:tc>
+              </a:tr>
+              <a:tr h="190500">
+                <a:tc>
+                  <a:txBody>
+                    <a:bodyPr/>
+                    <a:lstStyle/>
+                    <a:p>
+                      <a:pPr algn="r" fontAlgn="b"/>
+                      <a:r>
+                        <a:rPr lang="en-US" sz="1600" u="none" strike="noStrike">
+                          <a:effectLst/>
+                        </a:rPr>
+                        <a:t>3</a:t>
+                      </a:r>
+                      <a:endParaRPr lang="en-US" sz="1600" b="0" i="0" u="none" strike="noStrike">
+                        <a:solidFill>
+                          <a:srgbClr val="000000"/>
+                        </a:solidFill>
+                        <a:effectLst/>
+                        <a:latin typeface="Calibri" panose="020F0502020204030204" pitchFamily="34" charset="0"/>
+                      </a:endParaRPr>
+                    </a:p>
+                  </a:txBody>
+                  <a:tcPr marL="9525" marR="9525" marT="9525" marB="0" anchor="b"/>
+                </a:tc>
+                <a:tc>
+                  <a:txBody>
+                    <a:bodyPr/>
+                    <a:lstStyle/>
+                    <a:p>
+                      <a:pPr algn="r" fontAlgn="b"/>
+                      <a:r>
+                        <a:rPr lang="en-US" sz="1600" u="none" strike="noStrike" dirty="0">
+                          <a:effectLst/>
+                        </a:rPr>
+                        <a:t>0.092</a:t>
+                      </a:r>
+                      <a:endParaRPr lang="en-US" sz="1600" b="0" i="0" u="none" strike="noStrike" dirty="0">
+                        <a:solidFill>
+                          <a:srgbClr val="000000"/>
+                        </a:solidFill>
+                        <a:effectLst/>
+                        <a:latin typeface="Calibri" panose="020F0502020204030204" pitchFamily="34" charset="0"/>
+                      </a:endParaRPr>
+                    </a:p>
+                  </a:txBody>
+                  <a:tcPr marL="9525" marR="9525" marT="9525" marB="0" anchor="b"/>
+                </a:tc>
+              </a:tr>
+            </a:tbl>
+          </a:graphicData>
+        </a:graphic>
+      </p:graphicFrame>
+      <p:graphicFrame>
+        <p:nvGraphicFramePr>
+          <p:cNvPr id="7" name="Table 6"/>
+          <p:cNvGraphicFramePr>
+            <a:graphicFrameLocks noGrp="1"/>
+          </p:cNvGraphicFramePr>
+          <p:nvPr>
+            <p:extLst>
+              <p:ext uri="{D42A27DB-BD31-4B8C-83A1-F6EECF244321}">
+                <p14:modId xmlns:p14="http://schemas.microsoft.com/office/powerpoint/2010/main" val="4135989988"/>
+              </p:ext>
+            </p:extLst>
+          </p:nvPr>
+        </p:nvGraphicFramePr>
+        <p:xfrm>
+          <a:off x="6455391" y="2154712"/>
+          <a:ext cx="1293813" cy="760095"/>
+        </p:xfrm>
+        <a:graphic>
+          <a:graphicData uri="http://schemas.openxmlformats.org/drawingml/2006/table">
+            <a:tbl>
+              <a:tblPr firstRow="1" firstCol="1">
+                <a:tableStyleId>{3C2FFA5D-87B4-456A-9821-1D502468CF0F}</a:tableStyleId>
+              </a:tblPr>
+              <a:tblGrid>
+                <a:gridCol w="455613"/>
+                <a:gridCol w="838200"/>
+              </a:tblGrid>
+              <a:tr h="190500">
+                <a:tc>
+                  <a:txBody>
+                    <a:bodyPr/>
+                    <a:lstStyle/>
+                    <a:p>
+                      <a:pPr algn="l" fontAlgn="b"/>
+                      <a:r>
+                        <a:rPr lang="en-US" sz="1600" u="none" strike="noStrike" dirty="0">
+                          <a:effectLst/>
+                        </a:rPr>
+                        <a:t>Case</a:t>
+                      </a:r>
+                      <a:endParaRPr lang="en-US" sz="1600" b="1" i="0" u="none" strike="noStrike" dirty="0">
+                        <a:solidFill>
+                          <a:srgbClr val="FFFFFF"/>
+                        </a:solidFill>
+                        <a:effectLst/>
+                        <a:latin typeface="Calibri" panose="020F0502020204030204" pitchFamily="34" charset="0"/>
+                      </a:endParaRPr>
+                    </a:p>
+                  </a:txBody>
+                  <a:tcPr marL="9525" marR="9525" marT="9525" marB="0" anchor="b"/>
+                </a:tc>
+                <a:tc>
+                  <a:txBody>
+                    <a:bodyPr/>
+                    <a:lstStyle/>
+                    <a:p>
+                      <a:pPr algn="l" fontAlgn="b"/>
+                      <a:r>
+                        <a:rPr lang="en-US" sz="1600" u="none" strike="noStrike">
+                          <a:effectLst/>
+                        </a:rPr>
+                        <a:t>Time</a:t>
+                      </a:r>
+                      <a:endParaRPr lang="en-US" sz="1600" b="1" i="0" u="none" strike="noStrike">
+                        <a:solidFill>
+                          <a:srgbClr val="FFFFFF"/>
+                        </a:solidFill>
+                        <a:effectLst/>
+                        <a:latin typeface="Calibri" panose="020F0502020204030204" pitchFamily="34" charset="0"/>
+                      </a:endParaRPr>
+                    </a:p>
+                  </a:txBody>
+                  <a:tcPr marL="9525" marR="9525" marT="9525" marB="0" anchor="b"/>
+                </a:tc>
+              </a:tr>
+              <a:tr h="190500">
+                <a:tc>
+                  <a:txBody>
+                    <a:bodyPr/>
+                    <a:lstStyle/>
+                    <a:p>
+                      <a:pPr algn="r" fontAlgn="b"/>
+                      <a:r>
+                        <a:rPr lang="en-US" sz="1600" u="none" strike="noStrike" dirty="0">
+                          <a:effectLst/>
+                        </a:rPr>
+                        <a:t>1</a:t>
+                      </a:r>
+                      <a:endParaRPr lang="en-US" sz="1600" b="0" i="0" u="none" strike="noStrike" dirty="0">
+                        <a:solidFill>
+                          <a:srgbClr val="000000"/>
+                        </a:solidFill>
+                        <a:effectLst/>
+                        <a:latin typeface="Calibri" panose="020F0502020204030204" pitchFamily="34" charset="0"/>
+                      </a:endParaRPr>
+                    </a:p>
+                  </a:txBody>
+                  <a:tcPr marL="9525" marR="9525" marT="9525" marB="0" anchor="b"/>
+                </a:tc>
+                <a:tc>
+                  <a:txBody>
+                    <a:bodyPr/>
+                    <a:lstStyle/>
+                    <a:p>
+                      <a:pPr algn="r" fontAlgn="b"/>
+                      <a:r>
+                        <a:rPr lang="en-US" sz="1600" u="none" strike="noStrike" dirty="0">
+                          <a:effectLst/>
+                        </a:rPr>
+                        <a:t>2293.663</a:t>
+                      </a:r>
+                      <a:endParaRPr lang="en-US" sz="1600" b="0" i="0" u="none" strike="noStrike" dirty="0">
+                        <a:solidFill>
+                          <a:srgbClr val="000000"/>
+                        </a:solidFill>
+                        <a:effectLst/>
+                        <a:latin typeface="Calibri" panose="020F0502020204030204" pitchFamily="34" charset="0"/>
+                      </a:endParaRPr>
+                    </a:p>
+                  </a:txBody>
+                  <a:tcPr marL="9525" marR="9525" marT="9525" marB="0" anchor="b"/>
+                </a:tc>
+              </a:tr>
+              <a:tr h="190500">
+                <a:tc>
+                  <a:txBody>
+                    <a:bodyPr/>
+                    <a:lstStyle/>
+                    <a:p>
+                      <a:pPr algn="r" fontAlgn="b"/>
+                      <a:r>
+                        <a:rPr lang="en-US" sz="1600" u="none" strike="noStrike" dirty="0">
+                          <a:effectLst/>
+                        </a:rPr>
+                        <a:t>2</a:t>
+                      </a:r>
+                      <a:endParaRPr lang="en-US" sz="1600" b="0" i="0" u="none" strike="noStrike" dirty="0">
+                        <a:solidFill>
+                          <a:srgbClr val="000000"/>
+                        </a:solidFill>
+                        <a:effectLst/>
+                        <a:latin typeface="Calibri" panose="020F0502020204030204" pitchFamily="34" charset="0"/>
+                      </a:endParaRPr>
+                    </a:p>
+                  </a:txBody>
+                  <a:tcPr marL="9525" marR="9525" marT="9525" marB="0" anchor="b"/>
+                </a:tc>
+                <a:tc>
+                  <a:txBody>
+                    <a:bodyPr/>
+                    <a:lstStyle/>
+                    <a:p>
+                      <a:pPr algn="r" fontAlgn="b"/>
+                      <a:r>
+                        <a:rPr lang="en-US" sz="1600" u="none" strike="noStrike" dirty="0">
+                          <a:effectLst/>
+                        </a:rPr>
+                        <a:t>2374.124</a:t>
+                      </a:r>
+                      <a:endParaRPr lang="en-US" sz="1600" b="0" i="0" u="none" strike="noStrike" dirty="0">
+                        <a:solidFill>
+                          <a:srgbClr val="000000"/>
+                        </a:solidFill>
+                        <a:effectLst/>
+                        <a:latin typeface="Calibri" panose="020F0502020204030204" pitchFamily="34" charset="0"/>
+                      </a:endParaRPr>
+                    </a:p>
+                  </a:txBody>
+                  <a:tcPr marL="9525" marR="9525" marT="9525" marB="0" anchor="b"/>
+                </a:tc>
+              </a:tr>
+            </a:tbl>
+          </a:graphicData>
+        </a:graphic>
+      </p:graphicFrame>
+      <p:sp>
+        <p:nvSpPr>
+          <p:cNvPr id="8" name="TextBox 7"/>
+          <p:cNvSpPr txBox="1"/>
+          <p:nvPr/>
+        </p:nvSpPr>
+        <p:spPr>
+          <a:xfrm>
+            <a:off x="1119117" y="1690688"/>
+            <a:ext cx="932819" cy="369332"/>
+          </a:xfrm>
+          <a:prstGeom prst="rect">
+            <a:avLst/>
+          </a:prstGeom>
+          <a:noFill/>
+        </p:spPr>
+        <p:txBody>
+          <a:bodyPr wrap="none" rtlCol="0">
+            <a:spAutoFit/>
+          </a:bodyPr>
+          <a:lstStyle/>
+          <a:p>
+            <a:r>
+              <a:rPr lang="en-US" dirty="0" smtClean="0"/>
+              <a:t>Query 1</a:t>
+            </a:r>
+            <a:endParaRPr lang="en-US" dirty="0"/>
+          </a:p>
+        </p:txBody>
+      </p:sp>
+      <p:sp>
+        <p:nvSpPr>
+          <p:cNvPr id="9" name="TextBox 8"/>
+          <p:cNvSpPr txBox="1"/>
+          <p:nvPr/>
+        </p:nvSpPr>
+        <p:spPr>
+          <a:xfrm>
+            <a:off x="2919262" y="1690688"/>
+            <a:ext cx="932819" cy="369332"/>
+          </a:xfrm>
+          <a:prstGeom prst="rect">
+            <a:avLst/>
+          </a:prstGeom>
+          <a:noFill/>
+        </p:spPr>
+        <p:txBody>
+          <a:bodyPr wrap="none" rtlCol="0">
+            <a:spAutoFit/>
+          </a:bodyPr>
+          <a:lstStyle/>
+          <a:p>
+            <a:r>
+              <a:rPr lang="en-US" dirty="0" smtClean="0"/>
+              <a:t>Query 2</a:t>
+            </a:r>
+            <a:endParaRPr lang="en-US" dirty="0"/>
+          </a:p>
+        </p:txBody>
+      </p:sp>
+      <p:sp>
+        <p:nvSpPr>
+          <p:cNvPr id="10" name="TextBox 9"/>
+          <p:cNvSpPr txBox="1"/>
+          <p:nvPr/>
+        </p:nvSpPr>
+        <p:spPr>
+          <a:xfrm>
+            <a:off x="4752153" y="1690688"/>
+            <a:ext cx="932819" cy="369332"/>
+          </a:xfrm>
+          <a:prstGeom prst="rect">
+            <a:avLst/>
+          </a:prstGeom>
+          <a:noFill/>
+        </p:spPr>
+        <p:txBody>
+          <a:bodyPr wrap="none" rtlCol="0">
+            <a:spAutoFit/>
+          </a:bodyPr>
+          <a:lstStyle/>
+          <a:p>
+            <a:r>
+              <a:rPr lang="en-US" dirty="0" smtClean="0"/>
+              <a:t>Query 3</a:t>
+            </a:r>
+            <a:endParaRPr lang="en-US" dirty="0"/>
+          </a:p>
+        </p:txBody>
+      </p:sp>
+      <p:sp>
+        <p:nvSpPr>
+          <p:cNvPr id="11" name="TextBox 10"/>
+          <p:cNvSpPr txBox="1"/>
+          <p:nvPr/>
+        </p:nvSpPr>
+        <p:spPr>
+          <a:xfrm>
+            <a:off x="6585045" y="1690688"/>
+            <a:ext cx="932819" cy="369332"/>
+          </a:xfrm>
+          <a:prstGeom prst="rect">
+            <a:avLst/>
+          </a:prstGeom>
+          <a:noFill/>
+        </p:spPr>
+        <p:txBody>
+          <a:bodyPr wrap="none" rtlCol="0">
+            <a:spAutoFit/>
+          </a:bodyPr>
+          <a:lstStyle/>
+          <a:p>
+            <a:r>
+              <a:rPr lang="en-US" dirty="0" smtClean="0"/>
+              <a:t>Query 4</a:t>
+            </a:r>
+            <a:endParaRPr lang="en-US" dirty="0"/>
+          </a:p>
+        </p:txBody>
+      </p:sp>
+      <p:sp>
+        <p:nvSpPr>
+          <p:cNvPr id="12" name="TextBox 11"/>
+          <p:cNvSpPr txBox="1"/>
+          <p:nvPr/>
+        </p:nvSpPr>
+        <p:spPr>
+          <a:xfrm>
+            <a:off x="1119117" y="4940968"/>
+            <a:ext cx="9837641" cy="369332"/>
+          </a:xfrm>
+          <a:prstGeom prst="rect">
+            <a:avLst/>
+          </a:prstGeom>
+          <a:noFill/>
+        </p:spPr>
+        <p:txBody>
+          <a:bodyPr wrap="square" rtlCol="0">
+            <a:spAutoFit/>
+          </a:bodyPr>
+          <a:lstStyle/>
+          <a:p>
+            <a:r>
+              <a:rPr lang="en-US" dirty="0" smtClean="0"/>
+              <a:t>All performance measures were carried out on an ultra-book – Intel Core i5-3317U @ 1.7GHz, 6GB RAM</a:t>
+            </a:r>
+            <a:endParaRPr lang="en-US" dirty="0"/>
+          </a:p>
+        </p:txBody>
+      </p:sp>
+    </p:spTree>
+    <p:extLst>
+      <p:ext uri="{BB962C8B-B14F-4D97-AF65-F5344CB8AC3E}">
+        <p14:creationId xmlns:p14="http://schemas.microsoft.com/office/powerpoint/2010/main" val="4175595905"/>
+      </p:ext>
+    </p:extLst>
+  </p:cSld>
+  <p:clrMapOvr>
+    <a:masterClrMapping/>
+  </p:clrMapOvr>
+  <mc:AlternateContent xmlns:mc="http://schemas.openxmlformats.org/markup-compatibility/2006">
+    <mc:Choice xmlns:p14="http://schemas.microsoft.com/office/powerpoint/2010/main" Requires="p14">
+      <p:transition spd="slow" p14:dur="2000" advTm="50613"/>
+    </mc:Choice>
+    <mc:Fallback>
+      <p:transition spd="slow" advTm="50613"/>
+    </mc:Fallback>
+  </mc:AlternateContent>
   <p:timing>
     <p:tnLst>
       <p:par>
@@ -13901,4 +15637,265 @@
     </a:ext>
   </a:extLst>
 </a:theme>
+</file>
+
+<file path=ppt/theme/theme2.xml><?xml version="1.0" encoding="utf-8"?>
+<a:theme xmlns:a="http://schemas.openxmlformats.org/drawingml/2006/main" name="Office Theme">
+  <a:themeElements>
+    <a:clrScheme name="Office">
+      <a:dk1>
+        <a:sysClr val="windowText" lastClr="000000"/>
+      </a:dk1>
+      <a:lt1>
+        <a:sysClr val="window" lastClr="FFFFFF"/>
+      </a:lt1>
+      <a:dk2>
+        <a:srgbClr val="44546A"/>
+      </a:dk2>
+      <a:lt2>
+        <a:srgbClr val="E7E6E6"/>
+      </a:lt2>
+      <a:accent1>
+        <a:srgbClr val="5B9BD5"/>
+      </a:accent1>
+      <a:accent2>
+        <a:srgbClr val="ED7D31"/>
+      </a:accent2>
+      <a:accent3>
+        <a:srgbClr val="A5A5A5"/>
+      </a:accent3>
+      <a:accent4>
+        <a:srgbClr val="FFC000"/>
+      </a:accent4>
+      <a:accent5>
+        <a:srgbClr val="4472C4"/>
+      </a:accent5>
+      <a:accent6>
+        <a:srgbClr val="70AD47"/>
+      </a:accent6>
+      <a:hlink>
+        <a:srgbClr val="0563C1"/>
+      </a:hlink>
+      <a:folHlink>
+        <a:srgbClr val="954F72"/>
+      </a:folHlink>
+    </a:clrScheme>
+    <a:fontScheme name="Office">
+      <a:majorFont>
+        <a:latin typeface="Calibri Light" panose="020F0302020204030204"/>
+        <a:ea typeface=""/>
+        <a:cs typeface=""/>
+        <a:font script="Jpan" typeface="ＭＳ Ｐゴシック"/>
+        <a:font script="Hang" typeface="맑은 고딕"/>
+        <a:font script="Hans" typeface="宋体"/>
+        <a:font script="Hant" typeface="新細明體"/>
+        <a:font script="Arab" typeface="Times New Roman"/>
+        <a:font script="Hebr" typeface="Times New Roman"/>
+        <a:font script="Thai" typeface="Angsana New"/>
+        <a:font script="Ethi" typeface="Nyala"/>
+        <a:font script="Beng" typeface="Vrinda"/>
+        <a:font script="Gujr" typeface="Shruti"/>
+        <a:font script="Khmr" typeface="MoolBoran"/>
+        <a:font script="Knda" typeface="Tunga"/>
+        <a:font script="Guru" typeface="Raavi"/>
+        <a:font script="Cans" typeface="Euphemia"/>
+        <a:font script="Cher" typeface="Plantagenet Cherokee"/>
+        <a:font script="Yiii" typeface="Microsoft Yi Baiti"/>
+        <a:font script="Tibt" typeface="Microsoft Himalaya"/>
+        <a:font script="Thaa" typeface="MV Boli"/>
+        <a:font script="Deva" typeface="Mangal"/>
+        <a:font script="Telu" typeface="Gautami"/>
+        <a:font script="Taml" typeface="Latha"/>
+        <a:font script="Syrc" typeface="Estrangelo Edessa"/>
+        <a:font script="Orya" typeface="Kalinga"/>
+        <a:font script="Mlym" typeface="Kartika"/>
+        <a:font script="Laoo" typeface="DokChampa"/>
+        <a:font script="Sinh" typeface="Iskoola Pota"/>
+        <a:font script="Mong" typeface="Mongolian Baiti"/>
+        <a:font script="Viet" typeface="Times New Roman"/>
+        <a:font script="Uigh" typeface="Microsoft Uighur"/>
+        <a:font script="Geor" typeface="Sylfaen"/>
+      </a:majorFont>
+      <a:minorFont>
+        <a:latin typeface="Calibri" panose="020F0502020204030204"/>
+        <a:ea typeface=""/>
+        <a:cs typeface=""/>
+        <a:font script="Jpan" typeface="ＭＳ Ｐゴシック"/>
+        <a:font script="Hang" typeface="맑은 고딕"/>
+        <a:font script="Hans" typeface="宋体"/>
+        <a:font script="Hant" typeface="新細明體"/>
+        <a:font script="Arab" typeface="Arial"/>
+        <a:font script="Hebr" typeface="Arial"/>
+        <a:font script="Thai" typeface="Cordia New"/>
+        <a:font script="Ethi" typeface="Nyala"/>
+        <a:font script="Beng" typeface="Vrinda"/>
+        <a:font script="Gujr" typeface="Shruti"/>
+        <a:font script="Khmr" typeface="DaunPenh"/>
+        <a:font script="Knda" typeface="Tunga"/>
+        <a:font script="Guru" typeface="Raavi"/>
+        <a:font script="Cans" typeface="Euphemia"/>
+        <a:font script="Cher" typeface="Plantagenet Cherokee"/>
+        <a:font script="Yiii" typeface="Microsoft Yi Baiti"/>
+        <a:font script="Tibt" typeface="Microsoft Himalaya"/>
+        <a:font script="Thaa" typeface="MV Boli"/>
+        <a:font script="Deva" typeface="Mangal"/>
+        <a:font script="Telu" typeface="Gautami"/>
+        <a:font script="Taml" typeface="Latha"/>
+        <a:font script="Syrc" typeface="Estrangelo Edessa"/>
+        <a:font script="Orya" typeface="Kalinga"/>
+        <a:font script="Mlym" typeface="Kartika"/>
+        <a:font script="Laoo" typeface="DokChampa"/>
+        <a:font script="Sinh" typeface="Iskoola Pota"/>
+        <a:font script="Mong" typeface="Mongolian Baiti"/>
+        <a:font script="Viet" typeface="Arial"/>
+        <a:font script="Uigh" typeface="Microsoft Uighur"/>
+        <a:font script="Geor" typeface="Sylfaen"/>
+      </a:minorFont>
+    </a:fontScheme>
+    <a:fmtScheme name="Office">
+      <a:fillStyleLst>
+        <a:solidFill>
+          <a:schemeClr val="phClr"/>
+        </a:solidFill>
+        <a:gradFill rotWithShape="1">
+          <a:gsLst>
+            <a:gs pos="0">
+              <a:schemeClr val="phClr">
+                <a:lumMod val="110000"/>
+                <a:satMod val="105000"/>
+                <a:tint val="67000"/>
+              </a:schemeClr>
+            </a:gs>
+            <a:gs pos="50000">
+              <a:schemeClr val="phClr">
+                <a:lumMod val="105000"/>
+                <a:satMod val="103000"/>
+                <a:tint val="73000"/>
+              </a:schemeClr>
+            </a:gs>
+            <a:gs pos="100000">
+              <a:schemeClr val="phClr">
+                <a:lumMod val="105000"/>
+                <a:satMod val="109000"/>
+                <a:tint val="81000"/>
+              </a:schemeClr>
+            </a:gs>
+          </a:gsLst>
+          <a:lin ang="5400000" scaled="0"/>
+        </a:gradFill>
+        <a:gradFill rotWithShape="1">
+          <a:gsLst>
+            <a:gs pos="0">
+              <a:schemeClr val="phClr">
+                <a:satMod val="103000"/>
+                <a:lumMod val="102000"/>
+                <a:tint val="94000"/>
+              </a:schemeClr>
+            </a:gs>
+            <a:gs pos="50000">
+              <a:schemeClr val="phClr">
+                <a:satMod val="110000"/>
+                <a:lumMod val="100000"/>
+                <a:shade val="100000"/>
+              </a:schemeClr>
+            </a:gs>
+            <a:gs pos="100000">
+              <a:schemeClr val="phClr">
+                <a:lumMod val="99000"/>
+                <a:satMod val="120000"/>
+                <a:shade val="78000"/>
+              </a:schemeClr>
+            </a:gs>
+          </a:gsLst>
+          <a:lin ang="5400000" scaled="0"/>
+        </a:gradFill>
+      </a:fillStyleLst>
+      <a:lnStyleLst>
+        <a:ln w="6350" cap="flat" cmpd="sng" algn="ctr">
+          <a:solidFill>
+            <a:schemeClr val="phClr"/>
+          </a:solidFill>
+          <a:prstDash val="solid"/>
+          <a:miter lim="800000"/>
+        </a:ln>
+        <a:ln w="12700" cap="flat" cmpd="sng" algn="ctr">
+          <a:solidFill>
+            <a:schemeClr val="phClr"/>
+          </a:solidFill>
+          <a:prstDash val="solid"/>
+          <a:miter lim="800000"/>
+        </a:ln>
+        <a:ln w="19050" cap="flat" cmpd="sng" algn="ctr">
+          <a:solidFill>
+            <a:schemeClr val="phClr"/>
+          </a:solidFill>
+          <a:prstDash val="solid"/>
+          <a:miter lim="800000"/>
+        </a:ln>
+      </a:lnStyleLst>
+      <a:effectStyleLst>
+        <a:effectStyle>
+          <a:effectLst/>
+        </a:effectStyle>
+        <a:effectStyle>
+          <a:effectLst/>
+        </a:effectStyle>
+        <a:effectStyle>
+          <a:effectLst>
+            <a:outerShdw blurRad="57150" dist="19050" dir="5400000" algn="ctr" rotWithShape="0">
+              <a:srgbClr val="000000">
+                <a:alpha val="63000"/>
+              </a:srgbClr>
+            </a:outerShdw>
+          </a:effectLst>
+        </a:effectStyle>
+      </a:effectStyleLst>
+      <a:bgFillStyleLst>
+        <a:solidFill>
+          <a:schemeClr val="phClr"/>
+        </a:solidFill>
+        <a:solidFill>
+          <a:schemeClr val="phClr">
+            <a:tint val="95000"/>
+            <a:satMod val="170000"/>
+          </a:schemeClr>
+        </a:solidFill>
+        <a:gradFill rotWithShape="1">
+          <a:gsLst>
+            <a:gs pos="0">
+              <a:schemeClr val="phClr">
+                <a:tint val="93000"/>
+                <a:satMod val="150000"/>
+                <a:shade val="98000"/>
+                <a:lumMod val="102000"/>
+              </a:schemeClr>
+            </a:gs>
+            <a:gs pos="50000">
+              <a:schemeClr val="phClr">
+                <a:tint val="98000"/>
+                <a:satMod val="130000"/>
+                <a:shade val="90000"/>
+                <a:lumMod val="103000"/>
+              </a:schemeClr>
+            </a:gs>
+            <a:gs pos="100000">
+              <a:schemeClr val="phClr">
+                <a:shade val="63000"/>
+                <a:satMod val="120000"/>
+              </a:schemeClr>
+            </a:gs>
+          </a:gsLst>
+          <a:lin ang="5400000" scaled="0"/>
+        </a:gradFill>
+      </a:bgFillStyleLst>
+    </a:fmtScheme>
+  </a:themeElements>
+  <a:objectDefaults/>
+  <a:extraClrSchemeLst/>
+  <a:extLst>
+    <a:ext uri="{05A4C25C-085E-4340-85A3-A5531E510DB2}">
+      <thm15:themeFamily xmlns:thm15="http://schemas.microsoft.com/office/thememl/2012/main" name="Office Theme" id="{62F939B6-93AF-4DB8-9C6B-D6C7DFDC589F}" vid="{4A3C46E8-61CC-4603-A589-7422A47A8E4A}"/>
+    </a:ext>
+  </a:extLst>
+</a:theme>
 </file>
--- a/reports/Presentation.pptx
+++ b/reports/Presentation.pptx
@@ -240,11 +240,11 @@
         </c:dLbls>
         <c:gapWidth val="219"/>
         <c:overlap val="-27"/>
-        <c:axId val="337116800"/>
-        <c:axId val="337117192"/>
+        <c:axId val="178397144"/>
+        <c:axId val="178401848"/>
       </c:barChart>
       <c:catAx>
-        <c:axId val="337116800"/>
+        <c:axId val="178397144"/>
         <c:scaling>
           <c:orientation val="minMax"/>
         </c:scaling>
@@ -287,7 +287,7 @@
             <a:endParaRPr lang="en-US"/>
           </a:p>
         </c:txPr>
-        <c:crossAx val="337117192"/>
+        <c:crossAx val="178401848"/>
         <c:crosses val="autoZero"/>
         <c:auto val="1"/>
         <c:lblAlgn val="ctr"/>
@@ -295,7 +295,7 @@
         <c:noMultiLvlLbl val="0"/>
       </c:catAx>
       <c:valAx>
-        <c:axId val="337117192"/>
+        <c:axId val="178401848"/>
         <c:scaling>
           <c:orientation val="minMax"/>
         </c:scaling>
@@ -346,7 +346,7 @@
             <a:endParaRPr lang="en-US"/>
           </a:p>
         </c:txPr>
-        <c:crossAx val="337116800"/>
+        <c:crossAx val="178397144"/>
         <c:crosses val="autoZero"/>
         <c:crossBetween val="between"/>
       </c:valAx>
@@ -501,11 +501,11 @@
         </c:dLbls>
         <c:gapWidth val="219"/>
         <c:overlap val="-27"/>
-        <c:axId val="337123072"/>
-        <c:axId val="337119152"/>
+        <c:axId val="178397536"/>
+        <c:axId val="174004472"/>
       </c:barChart>
       <c:catAx>
-        <c:axId val="337123072"/>
+        <c:axId val="178397536"/>
         <c:scaling>
           <c:orientation val="minMax"/>
         </c:scaling>
@@ -548,7 +548,7 @@
             <a:endParaRPr lang="en-US"/>
           </a:p>
         </c:txPr>
-        <c:crossAx val="337119152"/>
+        <c:crossAx val="174004472"/>
         <c:crosses val="autoZero"/>
         <c:auto val="1"/>
         <c:lblAlgn val="ctr"/>
@@ -556,7 +556,7 @@
         <c:noMultiLvlLbl val="0"/>
       </c:catAx>
       <c:valAx>
-        <c:axId val="337119152"/>
+        <c:axId val="174004472"/>
         <c:scaling>
           <c:orientation val="minMax"/>
         </c:scaling>
@@ -607,7 +607,7 @@
             <a:endParaRPr lang="en-US"/>
           </a:p>
         </c:txPr>
-        <c:crossAx val="337123072"/>
+        <c:crossAx val="178397536"/>
         <c:crosses val="autoZero"/>
         <c:crossBetween val="between"/>
       </c:valAx>
@@ -762,11 +762,11 @@
         </c:dLbls>
         <c:gapWidth val="219"/>
         <c:overlap val="-27"/>
-        <c:axId val="337120328"/>
-        <c:axId val="337121504"/>
+        <c:axId val="174007608"/>
+        <c:axId val="174005256"/>
       </c:barChart>
       <c:catAx>
-        <c:axId val="337120328"/>
+        <c:axId val="174007608"/>
         <c:scaling>
           <c:orientation val="minMax"/>
         </c:scaling>
@@ -809,7 +809,7 @@
             <a:endParaRPr lang="en-US"/>
           </a:p>
         </c:txPr>
-        <c:crossAx val="337121504"/>
+        <c:crossAx val="174005256"/>
         <c:crosses val="autoZero"/>
         <c:auto val="1"/>
         <c:lblAlgn val="ctr"/>
@@ -817,7 +817,7 @@
         <c:noMultiLvlLbl val="0"/>
       </c:catAx>
       <c:valAx>
-        <c:axId val="337121504"/>
+        <c:axId val="174005256"/>
         <c:scaling>
           <c:orientation val="minMax"/>
         </c:scaling>
@@ -868,7 +868,7 @@
             <a:endParaRPr lang="en-US"/>
           </a:p>
         </c:txPr>
-        <c:crossAx val="337120328"/>
+        <c:crossAx val="174007608"/>
         <c:crosses val="autoZero"/>
         <c:crossBetween val="between"/>
       </c:valAx>
@@ -1040,11 +1040,11 @@
         </c:dLbls>
         <c:gapWidth val="219"/>
         <c:overlap val="-27"/>
-        <c:axId val="337120720"/>
-        <c:axId val="337122288"/>
+        <c:axId val="174008784"/>
+        <c:axId val="174009176"/>
       </c:barChart>
       <c:catAx>
-        <c:axId val="337120720"/>
+        <c:axId val="174008784"/>
         <c:scaling>
           <c:orientation val="minMax"/>
         </c:scaling>
@@ -1087,7 +1087,7 @@
             <a:endParaRPr lang="en-US"/>
           </a:p>
         </c:txPr>
-        <c:crossAx val="337122288"/>
+        <c:crossAx val="174009176"/>
         <c:crosses val="autoZero"/>
         <c:auto val="1"/>
         <c:lblAlgn val="ctr"/>
@@ -1095,7 +1095,7 @@
         <c:noMultiLvlLbl val="0"/>
       </c:catAx>
       <c:valAx>
-        <c:axId val="337122288"/>
+        <c:axId val="174009176"/>
         <c:scaling>
           <c:orientation val="minMax"/>
         </c:scaling>
@@ -1146,7 +1146,7 @@
             <a:endParaRPr lang="en-US"/>
           </a:p>
         </c:txPr>
-        <c:crossAx val="337120720"/>
+        <c:crossAx val="174008784"/>
         <c:crosses val="autoZero"/>
         <c:crossBetween val="between"/>
       </c:valAx>
@@ -1301,11 +1301,11 @@
         </c:dLbls>
         <c:gapWidth val="219"/>
         <c:overlap val="-27"/>
-        <c:axId val="330010288"/>
-        <c:axId val="330012640"/>
+        <c:axId val="174005648"/>
+        <c:axId val="174002904"/>
       </c:barChart>
       <c:catAx>
-        <c:axId val="330010288"/>
+        <c:axId val="174005648"/>
         <c:scaling>
           <c:orientation val="minMax"/>
         </c:scaling>
@@ -1348,7 +1348,7 @@
             <a:endParaRPr lang="en-US"/>
           </a:p>
         </c:txPr>
-        <c:crossAx val="330012640"/>
+        <c:crossAx val="174002904"/>
         <c:crosses val="autoZero"/>
         <c:auto val="0"/>
         <c:lblAlgn val="ctr"/>
@@ -1356,7 +1356,7 @@
         <c:noMultiLvlLbl val="0"/>
       </c:catAx>
       <c:valAx>
-        <c:axId val="330012640"/>
+        <c:axId val="174002904"/>
         <c:scaling>
           <c:orientation val="minMax"/>
         </c:scaling>
@@ -1407,7 +1407,7 @@
             <a:endParaRPr lang="en-US"/>
           </a:p>
         </c:txPr>
-        <c:crossAx val="330010288"/>
+        <c:crossAx val="174005648"/>
         <c:crosses val="autoZero"/>
         <c:crossBetween val="between"/>
       </c:valAx>
@@ -1562,11 +1562,11 @@
         </c:dLbls>
         <c:gapWidth val="219"/>
         <c:overlap val="-27"/>
-        <c:axId val="330011464"/>
-        <c:axId val="330015384"/>
+        <c:axId val="174006040"/>
+        <c:axId val="174002120"/>
       </c:barChart>
       <c:catAx>
-        <c:axId val="330011464"/>
+        <c:axId val="174006040"/>
         <c:scaling>
           <c:orientation val="minMax"/>
         </c:scaling>
@@ -1609,7 +1609,7 @@
             <a:endParaRPr lang="en-US"/>
           </a:p>
         </c:txPr>
-        <c:crossAx val="330015384"/>
+        <c:crossAx val="174002120"/>
         <c:crosses val="autoZero"/>
         <c:auto val="1"/>
         <c:lblAlgn val="ctr"/>
@@ -1617,7 +1617,7 @@
         <c:noMultiLvlLbl val="0"/>
       </c:catAx>
       <c:valAx>
-        <c:axId val="330015384"/>
+        <c:axId val="174002120"/>
         <c:scaling>
           <c:orientation val="minMax"/>
         </c:scaling>
@@ -1668,7 +1668,7 @@
             <a:endParaRPr lang="en-US"/>
           </a:p>
         </c:txPr>
-        <c:crossAx val="330011464"/>
+        <c:crossAx val="174006040"/>
         <c:crosses val="autoZero"/>
         <c:crossBetween val="between"/>
       </c:valAx>
@@ -1823,11 +1823,11 @@
         </c:dLbls>
         <c:gapWidth val="219"/>
         <c:overlap val="-27"/>
-        <c:axId val="330013424"/>
-        <c:axId val="329990296"/>
+        <c:axId val="174003296"/>
+        <c:axId val="174003688"/>
       </c:barChart>
       <c:catAx>
-        <c:axId val="330013424"/>
+        <c:axId val="174003296"/>
         <c:scaling>
           <c:orientation val="minMax"/>
         </c:scaling>
@@ -1870,7 +1870,7 @@
             <a:endParaRPr lang="en-US"/>
           </a:p>
         </c:txPr>
-        <c:crossAx val="329990296"/>
+        <c:crossAx val="174003688"/>
         <c:crosses val="autoZero"/>
         <c:auto val="1"/>
         <c:lblAlgn val="ctr"/>
@@ -1878,7 +1878,7 @@
         <c:noMultiLvlLbl val="0"/>
       </c:catAx>
       <c:valAx>
-        <c:axId val="329990296"/>
+        <c:axId val="174003688"/>
         <c:scaling>
           <c:orientation val="minMax"/>
         </c:scaling>
@@ -1929,7 +1929,7 @@
             <a:endParaRPr lang="en-US"/>
           </a:p>
         </c:txPr>
-        <c:crossAx val="330013424"/>
+        <c:crossAx val="174003296"/>
         <c:crosses val="autoZero"/>
         <c:crossBetween val="between"/>
       </c:valAx>
@@ -6182,11 +6182,7 @@
             </a:pPr>
             <a:r>
               <a:rPr lang="en-US" dirty="0" smtClean="0"/>
-              <a:t>1. </a:t>
-            </a:r>
-            <a:r>
-              <a:rPr lang="en-US" dirty="0" smtClean="0"/>
-              <a:t>RDBMS don’t perform very well on graph data due</a:t>
+              <a:t>1. RDBMS don’t perform very well on graph data due</a:t>
             </a:r>
             <a:r>
               <a:rPr lang="en-US" baseline="0" dirty="0" smtClean="0"/>
@@ -9674,11 +9670,11 @@
   <p:clrMapOvr>
     <a:masterClrMapping/>
   </p:clrMapOvr>
-  <mc:AlternateContent xmlns:mc="http://schemas.openxmlformats.org/markup-compatibility/2006">
-    <mc:Choice xmlns:p14="http://schemas.microsoft.com/office/powerpoint/2010/main" Requires="p14">
+  <mc:AlternateContent xmlns:mc="http://schemas.openxmlformats.org/markup-compatibility/2006" xmlns:p14="http://schemas.microsoft.com/office/powerpoint/2010/main">
+    <mc:Choice Requires="p14">
       <p:transition spd="slow" p14:dur="2000" advTm="7465"/>
     </mc:Choice>
-    <mc:Fallback>
+    <mc:Fallback xmlns="">
       <p:transition spd="slow" advTm="7465"/>
     </mc:Fallback>
   </mc:AlternateContent>
@@ -9828,11 +9824,7 @@
           <a:p>
             <a:r>
               <a:rPr lang="en-US" dirty="0" smtClean="0"/>
-              <a:t>Graph </a:t>
-            </a:r>
-            <a:r>
-              <a:rPr lang="en-US" dirty="0" smtClean="0"/>
-              <a:t>Database</a:t>
+              <a:t>Graph Database</a:t>
             </a:r>
           </a:p>
           <a:p>
@@ -9896,11 +9888,11 @@
   <p:clrMapOvr>
     <a:masterClrMapping/>
   </p:clrMapOvr>
-  <mc:AlternateContent xmlns:mc="http://schemas.openxmlformats.org/markup-compatibility/2006">
-    <mc:Choice xmlns:p14="http://schemas.microsoft.com/office/powerpoint/2010/main" Requires="p14">
+  <mc:AlternateContent xmlns:mc="http://schemas.openxmlformats.org/markup-compatibility/2006" xmlns:p14="http://schemas.microsoft.com/office/powerpoint/2010/main">
+    <mc:Choice Requires="p14">
       <p:transition spd="slow" p14:dur="2000" advTm="84490"/>
     </mc:Choice>
-    <mc:Fallback>
+    <mc:Fallback xmlns="">
       <p:transition spd="slow" advTm="84490"/>
     </mc:Fallback>
   </mc:AlternateContent>
@@ -9971,17 +9963,8 @@
           <a:p>
             <a:r>
               <a:rPr lang="en-US" dirty="0" smtClean="0"/>
-              <a:t>Python </a:t>
+              <a:t>Python library for Neo4j</a:t>
             </a:r>
-            <a:r>
-              <a:rPr lang="en-US" dirty="0" smtClean="0"/>
-              <a:t>library fo</a:t>
-            </a:r>
-            <a:r>
-              <a:rPr lang="en-US" dirty="0" smtClean="0"/>
-              <a:t>r Neo4j</a:t>
-            </a:r>
-            <a:endParaRPr lang="en-US" dirty="0" smtClean="0"/>
           </a:p>
           <a:p>
             <a:endParaRPr lang="en-US" dirty="0"/>
@@ -10022,11 +10005,11 @@
   <p:clrMapOvr>
     <a:masterClrMapping/>
   </p:clrMapOvr>
-  <mc:AlternateContent xmlns:mc="http://schemas.openxmlformats.org/markup-compatibility/2006">
-    <mc:Choice xmlns:p14="http://schemas.microsoft.com/office/powerpoint/2010/main" Requires="p14">
+  <mc:AlternateContent xmlns:mc="http://schemas.openxmlformats.org/markup-compatibility/2006" xmlns:p14="http://schemas.microsoft.com/office/powerpoint/2010/main">
+    <mc:Choice Requires="p14">
       <p:transition spd="slow" p14:dur="2000" advTm="14141"/>
     </mc:Choice>
-    <mc:Fallback>
+    <mc:Fallback xmlns="">
       <p:transition spd="slow" advTm="14141"/>
     </mc:Fallback>
   </mc:AlternateContent>
@@ -10106,15 +10089,7 @@
           <a:p>
             <a:r>
               <a:rPr lang="en-US" dirty="0" smtClean="0"/>
-              <a:t>Push </a:t>
-            </a:r>
-            <a:r>
-              <a:rPr lang="en-US" dirty="0" smtClean="0"/>
-              <a:t>most computation </a:t>
-            </a:r>
-            <a:r>
-              <a:rPr lang="en-US" dirty="0" smtClean="0"/>
-              <a:t>into the one-time loading phase</a:t>
+              <a:t>Push most computation into the one-time loading phase</a:t>
             </a:r>
           </a:p>
           <a:p>
@@ -10148,11 +10123,11 @@
   <p:clrMapOvr>
     <a:masterClrMapping/>
   </p:clrMapOvr>
-  <mc:AlternateContent xmlns:mc="http://schemas.openxmlformats.org/markup-compatibility/2006">
-    <mc:Choice xmlns:p14="http://schemas.microsoft.com/office/powerpoint/2010/main" Requires="p14">
+  <mc:AlternateContent xmlns:mc="http://schemas.openxmlformats.org/markup-compatibility/2006" xmlns:p14="http://schemas.microsoft.com/office/powerpoint/2010/main">
+    <mc:Choice Requires="p14">
       <p:transition spd="slow" p14:dur="2000" advTm="106879"/>
     </mc:Choice>
-    <mc:Fallback>
+    <mc:Fallback xmlns="">
       <p:transition spd="slow" advTm="106879"/>
     </mc:Fallback>
   </mc:AlternateContent>
@@ -10223,11 +10198,7 @@
           <a:p>
             <a:r>
               <a:rPr lang="en-US" dirty="0" smtClean="0"/>
-              <a:t>Push </a:t>
-            </a:r>
-            <a:r>
-              <a:rPr lang="en-US" dirty="0" smtClean="0"/>
-              <a:t>some of the loading into the query part</a:t>
+              <a:t>Push some of the loading into the query part</a:t>
             </a:r>
           </a:p>
           <a:p>
@@ -10238,7 +10209,6 @@
               <a:rPr lang="en-US" dirty="0" smtClean="0"/>
               <a:t>Optimal batch size – speed vs. memory limits</a:t>
             </a:r>
-            <a:endParaRPr lang="en-US" dirty="0" smtClean="0"/>
           </a:p>
           <a:p>
             <a:endParaRPr lang="en-US" dirty="0"/>
@@ -10265,11 +10235,11 @@
   <p:clrMapOvr>
     <a:masterClrMapping/>
   </p:clrMapOvr>
-  <mc:AlternateContent xmlns:mc="http://schemas.openxmlformats.org/markup-compatibility/2006">
-    <mc:Choice xmlns:p14="http://schemas.microsoft.com/office/powerpoint/2010/main" Requires="p14">
+  <mc:AlternateContent xmlns:mc="http://schemas.openxmlformats.org/markup-compatibility/2006" xmlns:p14="http://schemas.microsoft.com/office/powerpoint/2010/main">
+    <mc:Choice Requires="p14">
       <p:transition spd="slow" p14:dur="2000" advTm="159876"/>
     </mc:Choice>
-    <mc:Fallback>
+    <mc:Fallback xmlns="">
       <p:transition spd="slow" advTm="159876"/>
     </mc:Fallback>
   </mc:AlternateContent>
@@ -10452,11 +10422,11 @@
   <p:clrMapOvr>
     <a:masterClrMapping/>
   </p:clrMapOvr>
-  <mc:AlternateContent xmlns:mc="http://schemas.openxmlformats.org/markup-compatibility/2006">
-    <mc:Choice xmlns:p14="http://schemas.microsoft.com/office/powerpoint/2010/main" Requires="p14">
+  <mc:AlternateContent xmlns:mc="http://schemas.openxmlformats.org/markup-compatibility/2006" xmlns:p14="http://schemas.microsoft.com/office/powerpoint/2010/main">
+    <mc:Choice Requires="p14">
       <p:transition spd="slow" p14:dur="2000" advTm="14040"/>
     </mc:Choice>
-    <mc:Fallback>
+    <mc:Fallback xmlns="">
       <p:transition spd="slow" advTm="14040"/>
     </mc:Fallback>
   </mc:AlternateContent>
@@ -13865,11 +13835,11 @@
   <p:clrMapOvr>
     <a:masterClrMapping/>
   </p:clrMapOvr>
-  <mc:AlternateContent xmlns:mc="http://schemas.openxmlformats.org/markup-compatibility/2006">
-    <mc:Choice xmlns:p14="http://schemas.microsoft.com/office/powerpoint/2010/main" Requires="p14">
+  <mc:AlternateContent xmlns:mc="http://schemas.openxmlformats.org/markup-compatibility/2006" xmlns:p14="http://schemas.microsoft.com/office/powerpoint/2010/main">
+    <mc:Choice Requires="p14">
       <p:transition spd="slow" p14:dur="2000" advTm="115655"/>
     </mc:Choice>
-    <mc:Fallback>
+    <mc:Fallback xmlns="">
       <p:transition spd="slow" advTm="115655"/>
     </mc:Fallback>
   </mc:AlternateContent>
@@ -14005,11 +13975,11 @@
   <p:clrMapOvr>
     <a:masterClrMapping/>
   </p:clrMapOvr>
-  <mc:AlternateContent xmlns:mc="http://schemas.openxmlformats.org/markup-compatibility/2006">
-    <mc:Choice xmlns:p14="http://schemas.microsoft.com/office/powerpoint/2010/main" Requires="p14">
+  <mc:AlternateContent xmlns:mc="http://schemas.openxmlformats.org/markup-compatibility/2006" xmlns:p14="http://schemas.microsoft.com/office/powerpoint/2010/main">
+    <mc:Choice Requires="p14">
       <p:transition spd="slow" p14:dur="2000" advTm="74651"/>
     </mc:Choice>
-    <mc:Fallback>
+    <mc:Fallback xmlns="">
       <p:transition spd="slow" advTm="74651"/>
     </mc:Fallback>
   </mc:AlternateContent>
@@ -14056,8 +14026,12 @@
           <a:lstStyle/>
           <a:p>
             <a:r>
-              <a:rPr lang="en-US" dirty="0" smtClean="0"/>
-              <a:t>Performance – 10k set</a:t>
+              <a:rPr lang="en-US" smtClean="0"/>
+              <a:t>Performance </a:t>
+            </a:r>
+            <a:r>
+              <a:rPr lang="en-US" smtClean="0"/>
+              <a:t>– Querying Portion (10k)</a:t>
             </a:r>
             <a:endParaRPr lang="en-US" dirty="0"/>
           </a:p>
@@ -15360,11 +15334,11 @@
   <p:clrMapOvr>
     <a:masterClrMapping/>
   </p:clrMapOvr>
-  <mc:AlternateContent xmlns:mc="http://schemas.openxmlformats.org/markup-compatibility/2006">
-    <mc:Choice xmlns:p14="http://schemas.microsoft.com/office/powerpoint/2010/main" Requires="p14">
+  <mc:AlternateContent xmlns:mc="http://schemas.openxmlformats.org/markup-compatibility/2006" xmlns:p14="http://schemas.microsoft.com/office/powerpoint/2010/main">
+    <mc:Choice Requires="p14">
       <p:transition spd="slow" p14:dur="2000" advTm="50613"/>
     </mc:Choice>
-    <mc:Fallback>
+    <mc:Fallback xmlns="">
       <p:transition spd="slow" advTm="50613"/>
     </mc:Fallback>
   </mc:AlternateContent>
